--- a/Causation.pptx
+++ b/Causation.pptx
@@ -14,25 +14,24 @@
     <p:sldId id="259" r:id="rId8"/>
     <p:sldId id="268" r:id="rId9"/>
     <p:sldId id="270" r:id="rId10"/>
-    <p:sldId id="266" r:id="rId11"/>
-    <p:sldId id="263" r:id="rId12"/>
-    <p:sldId id="264" r:id="rId13"/>
-    <p:sldId id="288" r:id="rId14"/>
-    <p:sldId id="290" r:id="rId15"/>
-    <p:sldId id="274" r:id="rId16"/>
-    <p:sldId id="276" r:id="rId17"/>
-    <p:sldId id="281" r:id="rId18"/>
-    <p:sldId id="283" r:id="rId19"/>
-    <p:sldId id="282" r:id="rId20"/>
-    <p:sldId id="286" r:id="rId21"/>
-    <p:sldId id="277" r:id="rId22"/>
-    <p:sldId id="284" r:id="rId23"/>
-    <p:sldId id="278" r:id="rId24"/>
-    <p:sldId id="285" r:id="rId25"/>
-    <p:sldId id="262" r:id="rId26"/>
-    <p:sldId id="260" r:id="rId27"/>
-    <p:sldId id="279" r:id="rId28"/>
-    <p:sldId id="287" r:id="rId29"/>
+    <p:sldId id="263" r:id="rId11"/>
+    <p:sldId id="264" r:id="rId12"/>
+    <p:sldId id="288" r:id="rId13"/>
+    <p:sldId id="290" r:id="rId14"/>
+    <p:sldId id="274" r:id="rId15"/>
+    <p:sldId id="276" r:id="rId16"/>
+    <p:sldId id="281" r:id="rId17"/>
+    <p:sldId id="283" r:id="rId18"/>
+    <p:sldId id="282" r:id="rId19"/>
+    <p:sldId id="286" r:id="rId20"/>
+    <p:sldId id="277" r:id="rId21"/>
+    <p:sldId id="284" r:id="rId22"/>
+    <p:sldId id="278" r:id="rId23"/>
+    <p:sldId id="285" r:id="rId24"/>
+    <p:sldId id="262" r:id="rId25"/>
+    <p:sldId id="260" r:id="rId26"/>
+    <p:sldId id="279" r:id="rId27"/>
+    <p:sldId id="287" r:id="rId28"/>
   </p:sldIdLst>
   <p:sldSz cx="9144000" cy="6858000" type="screen4x3"/>
   <p:notesSz cx="6858000" cy="9144000"/>
@@ -1947,7 +1946,7 @@
             <a:fld id="{E30E2307-1E40-4E12-8716-25BFDA8E7013}" type="datetime1">
               <a:rPr lang="en-US" smtClean="0"/>
               <a:pPr/>
-              <a:t>8/13/13</a:t>
+              <a:t>8/14/13</a:t>
             </a:fld>
             <a:endParaRPr lang="en-US"/>
           </a:p>
@@ -2130,7 +2129,7 @@
             <a:fld id="{E5CFCF5A-EA79-452C-A52C-1A2668C2E7DF}" type="datetime1">
               <a:rPr lang="en-US" smtClean="0"/>
               <a:pPr/>
-              <a:t>8/13/13</a:t>
+              <a:t>8/14/13</a:t>
             </a:fld>
             <a:endParaRPr lang="en-US"/>
           </a:p>
@@ -2283,7 +2282,7 @@
             <a:fld id="{2E5C4C28-BD4B-4892-9A2D-6E19BD753A9A}" type="datetime1">
               <a:rPr lang="en-US" smtClean="0"/>
               <a:pPr/>
-              <a:t>8/13/13</a:t>
+              <a:t>8/14/13</a:t>
             </a:fld>
             <a:endParaRPr lang="en-US"/>
           </a:p>
@@ -4111,7 +4110,7 @@
             <a:fld id="{61FD9D02-426E-46C9-9EE9-0DE1EF8B2838}" type="datetime1">
               <a:rPr lang="en-US" smtClean="0"/>
               <a:pPr/>
-              <a:t>8/13/13</a:t>
+              <a:t>8/14/13</a:t>
             </a:fld>
             <a:endParaRPr lang="en-US"/>
           </a:p>
@@ -5983,7 +5982,7 @@
             <a:fld id="{7B8AEBBE-F8B2-42CF-9895-E86A608384EB}" type="datetime1">
               <a:rPr lang="en-US" smtClean="0"/>
               <a:pPr/>
-              <a:t>8/13/13</a:t>
+              <a:t>8/14/13</a:t>
             </a:fld>
             <a:endParaRPr lang="en-US"/>
           </a:p>
@@ -6098,7 +6097,7 @@
             <a:fld id="{E1FAA6B6-10E5-4810-BC9F-DA72D8452E73}" type="datetime1">
               <a:rPr lang="en-US" smtClean="0"/>
               <a:pPr/>
-              <a:t>8/13/13</a:t>
+              <a:t>8/14/13</a:t>
             </a:fld>
             <a:endParaRPr lang="en-US"/>
           </a:p>
@@ -6641,7 +6640,7 @@
             <a:fld id="{6D18D072-EF12-4AA2-BD71-ABC68B06D0E2}" type="datetime1">
               <a:rPr lang="en-US" smtClean="0"/>
               <a:pPr/>
-              <a:t>8/13/13</a:t>
+              <a:t>8/14/13</a:t>
             </a:fld>
             <a:endParaRPr lang="en-US"/>
           </a:p>
@@ -6756,7 +6755,7 @@
             <a:fld id="{B8CDBF60-6CC3-4B74-A60D-3486985E4346}" type="datetime1">
               <a:rPr lang="en-US" smtClean="0"/>
               <a:pPr/>
-              <a:t>8/13/13</a:t>
+              <a:t>8/14/13</a:t>
             </a:fld>
             <a:endParaRPr lang="en-US"/>
           </a:p>
@@ -8469,7 +8468,7 @@
             <a:fld id="{22714818-984F-4759-BF72-A33BDC1963BD}" type="datetime1">
               <a:rPr lang="en-US" smtClean="0"/>
               <a:pPr/>
-              <a:t>8/13/13</a:t>
+              <a:t>8/14/13</a:t>
             </a:fld>
             <a:endParaRPr lang="en-US"/>
           </a:p>
@@ -8622,7 +8621,7 @@
             <a:fld id="{9EA7E191-5F94-4FC1-B823-BD7CABF7FA06}" type="datetime1">
               <a:rPr lang="en-US" smtClean="0"/>
               <a:pPr/>
-              <a:t>8/13/13</a:t>
+              <a:t>8/14/13</a:t>
             </a:fld>
             <a:endParaRPr lang="en-US"/>
           </a:p>
@@ -12239,7 +12238,7 @@
             <a:fld id="{88856D55-EFBE-4F9B-8A5F-09D42CA22A9B}" type="datetime1">
               <a:rPr lang="en-US" smtClean="0"/>
               <a:pPr/>
-              <a:t>8/13/13</a:t>
+              <a:t>8/14/13</a:t>
             </a:fld>
             <a:endParaRPr lang="en-US"/>
           </a:p>
@@ -14100,7 +14099,7 @@
             <a:fld id="{9D1D110F-3F4E-48D9-B8AA-5D0E825AFDBA}" type="datetime1">
               <a:rPr lang="en-US" smtClean="0"/>
               <a:pPr/>
-              <a:t>8/13/13</a:t>
+              <a:t>8/14/13</a:t>
             </a:fld>
             <a:endParaRPr lang="en-US"/>
           </a:p>
@@ -14701,102 +14700,6 @@
 </file>
 
 <file path=ppt/slides/slide10.xml><?xml version="1.0" encoding="utf-8"?>
-<p:sld xmlns:a="http://schemas.openxmlformats.org/drawingml/2006/main" xmlns:r="http://schemas.openxmlformats.org/officeDocument/2006/relationships" xmlns:p="http://schemas.openxmlformats.org/presentationml/2006/main">
-  <p:cSld>
-    <p:spTree>
-      <p:nvGrpSpPr>
-        <p:cNvPr id="1" name=""/>
-        <p:cNvGrpSpPr/>
-        <p:nvPr/>
-      </p:nvGrpSpPr>
-      <p:grpSpPr>
-        <a:xfrm>
-          <a:off x="0" y="0"/>
-          <a:ext cx="0" cy="0"/>
-          <a:chOff x="0" y="0"/>
-          <a:chExt cx="0" cy="0"/>
-        </a:xfrm>
-      </p:grpSpPr>
-      <p:pic>
-        <p:nvPicPr>
-          <p:cNvPr id="4" name="Content Placeholder 3"/>
-          <p:cNvPicPr>
-            <a:picLocks noGrp="1" noChangeAspect="1"/>
-          </p:cNvPicPr>
-          <p:nvPr>
-            <p:ph idx="1"/>
-          </p:nvPr>
-        </p:nvPicPr>
-        <p:blipFill>
-          <a:blip r:embed="rId2"/>
-          <a:srcRect l="-6293" r="-6293"/>
-          <a:stretch>
-            <a:fillRect/>
-          </a:stretch>
-        </p:blipFill>
-        <p:spPr>
-          <a:xfrm>
-            <a:off x="871538" y="2674938"/>
-            <a:ext cx="7408862" cy="3451225"/>
-          </a:xfrm>
-        </p:spPr>
-      </p:pic>
-      <p:sp>
-        <p:nvSpPr>
-          <p:cNvPr id="3" name="Title 2"/>
-          <p:cNvSpPr>
-            <a:spLocks noGrp="1"/>
-          </p:cNvSpPr>
-          <p:nvPr>
-            <p:ph type="title"/>
-          </p:nvPr>
-        </p:nvSpPr>
-        <p:spPr>
-          <a:solidFill>
-            <a:srgbClr val="FF0000"/>
-          </a:solidFill>
-        </p:spPr>
-        <p:txBody>
-          <a:bodyPr/>
-          <a:lstStyle/>
-          <a:p>
-            <a:r>
-              <a:rPr lang="en-US" dirty="0" smtClean="0"/>
-              <a:t>Latent </a:t>
-            </a:r>
-            <a:r>
-              <a:rPr lang="en-US" dirty="0" err="1" smtClean="0"/>
-              <a:t>Dirchlet</a:t>
-            </a:r>
-            <a:r>
-              <a:rPr lang="en-US" dirty="0" smtClean="0"/>
-              <a:t> Allocation</a:t>
-            </a:r>
-            <a:endParaRPr lang="en-US" dirty="0"/>
-          </a:p>
-        </p:txBody>
-      </p:sp>
-    </p:spTree>
-    <p:extLst>
-      <p:ext uri="{BB962C8B-B14F-4D97-AF65-F5344CB8AC3E}">
-        <p14:creationId xmlns:p14="http://schemas.microsoft.com/office/powerpoint/2010/main" val="43333887"/>
-      </p:ext>
-    </p:extLst>
-  </p:cSld>
-  <p:clrMapOvr>
-    <a:masterClrMapping/>
-  </p:clrMapOvr>
-  <p:timing>
-    <p:tnLst>
-      <p:par>
-        <p:cTn xmlns:p14="http://schemas.microsoft.com/office/powerpoint/2010/main" id="1" dur="indefinite" restart="never" nodeType="tmRoot"/>
-      </p:par>
-    </p:tnLst>
-  </p:timing>
-</p:sld>
-</file>
-
-<file path=ppt/slides/slide11.xml><?xml version="1.0" encoding="utf-8"?>
 <p:sld xmlns:a="http://schemas.openxmlformats.org/drawingml/2006/main" xmlns:r="http://schemas.openxmlformats.org/officeDocument/2006/relationships" xmlns:p="http://schemas.openxmlformats.org/presentationml/2006/main">
   <p:cSld>
     <p:spTree>
@@ -16127,7 +16030,7 @@
 </p:sld>
 </file>
 
-<file path=ppt/slides/slide12.xml><?xml version="1.0" encoding="utf-8"?>
+<file path=ppt/slides/slide11.xml><?xml version="1.0" encoding="utf-8"?>
 <p:sld xmlns:a="http://schemas.openxmlformats.org/drawingml/2006/main" xmlns:r="http://schemas.openxmlformats.org/officeDocument/2006/relationships" xmlns:p="http://schemas.openxmlformats.org/presentationml/2006/main">
   <p:cSld>
     <p:spTree>
@@ -16166,11 +16069,7 @@
           <a:p>
             <a:r>
               <a:rPr lang="en-US" dirty="0" smtClean="0"/>
-              <a:t>Directional-Separation</a:t>
-            </a:r>
-            <a:r>
-              <a:rPr lang="en-US" dirty="0" smtClean="0"/>
-              <a:t>: No path for influence to flow between two variables. </a:t>
+              <a:t>Directional-Separation: No path for influence to flow between two variables. </a:t>
             </a:r>
           </a:p>
           <a:p>
@@ -16408,6 +16307,620 @@
 </p:sld>
 </file>
 
+<file path=ppt/slides/slide12.xml><?xml version="1.0" encoding="utf-8"?>
+<p:sld xmlns:a="http://schemas.openxmlformats.org/drawingml/2006/main" xmlns:r="http://schemas.openxmlformats.org/officeDocument/2006/relationships" xmlns:p="http://schemas.openxmlformats.org/presentationml/2006/main">
+  <p:cSld>
+    <p:spTree>
+      <p:nvGrpSpPr>
+        <p:cNvPr id="1" name=""/>
+        <p:cNvGrpSpPr/>
+        <p:nvPr/>
+      </p:nvGrpSpPr>
+      <p:grpSpPr>
+        <a:xfrm>
+          <a:off x="0" y="0"/>
+          <a:ext cx="0" cy="0"/>
+          <a:chOff x="0" y="0"/>
+          <a:chExt cx="0" cy="0"/>
+        </a:xfrm>
+      </p:grpSpPr>
+      <p:sp>
+        <p:nvSpPr>
+          <p:cNvPr id="3" name="Title 2"/>
+          <p:cNvSpPr>
+            <a:spLocks noGrp="1"/>
+          </p:cNvSpPr>
+          <p:nvPr>
+            <p:ph type="title"/>
+          </p:nvPr>
+        </p:nvSpPr>
+        <p:spPr>
+          <a:solidFill>
+            <a:srgbClr val="008000"/>
+          </a:solidFill>
+        </p:spPr>
+        <p:txBody>
+          <a:bodyPr/>
+          <a:lstStyle/>
+          <a:p>
+            <a:r>
+              <a:rPr lang="en-US" dirty="0" smtClean="0"/>
+              <a:t>Bayes Ball</a:t>
+            </a:r>
+            <a:endParaRPr lang="en-US" dirty="0"/>
+          </a:p>
+        </p:txBody>
+      </p:sp>
+      <p:grpSp>
+        <p:nvGrpSpPr>
+          <p:cNvPr id="2" name="Group 1"/>
+          <p:cNvGrpSpPr/>
+          <p:nvPr/>
+        </p:nvGrpSpPr>
+        <p:grpSpPr>
+          <a:xfrm>
+            <a:off x="457200" y="2075037"/>
+            <a:ext cx="5652825" cy="4246567"/>
+            <a:chOff x="1761547" y="2075037"/>
+            <a:chExt cx="5652825" cy="4246567"/>
+          </a:xfrm>
+        </p:grpSpPr>
+        <p:sp>
+          <p:nvSpPr>
+            <p:cNvPr id="4" name="Rectangle 3"/>
+            <p:cNvSpPr/>
+            <p:nvPr/>
+          </p:nvSpPr>
+          <p:spPr>
+            <a:xfrm>
+              <a:off x="1761547" y="2075037"/>
+              <a:ext cx="914400" cy="914400"/>
+            </a:xfrm>
+            <a:prstGeom prst="rect">
+              <a:avLst/>
+            </a:prstGeom>
+          </p:spPr>
+          <p:style>
+            <a:lnRef idx="1">
+              <a:schemeClr val="accent1"/>
+            </a:lnRef>
+            <a:fillRef idx="3">
+              <a:schemeClr val="accent1"/>
+            </a:fillRef>
+            <a:effectRef idx="2">
+              <a:schemeClr val="accent1"/>
+            </a:effectRef>
+            <a:fontRef idx="minor">
+              <a:schemeClr val="lt1"/>
+            </a:fontRef>
+          </p:style>
+          <p:txBody>
+            <a:bodyPr rtlCol="0" anchor="ctr"/>
+            <a:lstStyle/>
+            <a:p>
+              <a:pPr algn="ctr"/>
+              <a:r>
+                <a:rPr lang="en-US" dirty="0" smtClean="0"/>
+                <a:t>EQ</a:t>
+              </a:r>
+              <a:endParaRPr lang="en-US" dirty="0"/>
+            </a:p>
+          </p:txBody>
+        </p:sp>
+        <p:sp>
+          <p:nvSpPr>
+            <p:cNvPr id="5" name="Rectangle 4"/>
+            <p:cNvSpPr/>
+            <p:nvPr/>
+          </p:nvSpPr>
+          <p:spPr>
+            <a:xfrm>
+              <a:off x="6499972" y="2075037"/>
+              <a:ext cx="914400" cy="914400"/>
+            </a:xfrm>
+            <a:prstGeom prst="rect">
+              <a:avLst/>
+            </a:prstGeom>
+          </p:spPr>
+          <p:style>
+            <a:lnRef idx="1">
+              <a:schemeClr val="accent1"/>
+            </a:lnRef>
+            <a:fillRef idx="3">
+              <a:schemeClr val="accent1"/>
+            </a:fillRef>
+            <a:effectRef idx="2">
+              <a:schemeClr val="accent1"/>
+            </a:effectRef>
+            <a:fontRef idx="minor">
+              <a:schemeClr val="lt1"/>
+            </a:fontRef>
+          </p:style>
+          <p:txBody>
+            <a:bodyPr rtlCol="0" anchor="ctr"/>
+            <a:lstStyle/>
+            <a:p>
+              <a:pPr algn="ctr"/>
+              <a:r>
+                <a:rPr lang="en-US" dirty="0" smtClean="0"/>
+                <a:t>Thief</a:t>
+              </a:r>
+              <a:endParaRPr lang="en-US" dirty="0"/>
+            </a:p>
+          </p:txBody>
+        </p:sp>
+        <p:sp>
+          <p:nvSpPr>
+            <p:cNvPr id="6" name="Rectangle 5"/>
+            <p:cNvSpPr/>
+            <p:nvPr/>
+          </p:nvSpPr>
+          <p:spPr>
+            <a:xfrm>
+              <a:off x="4014688" y="3699929"/>
+              <a:ext cx="914400" cy="914400"/>
+            </a:xfrm>
+            <a:prstGeom prst="rect">
+              <a:avLst/>
+            </a:prstGeom>
+          </p:spPr>
+          <p:style>
+            <a:lnRef idx="1">
+              <a:schemeClr val="accent1"/>
+            </a:lnRef>
+            <a:fillRef idx="3">
+              <a:schemeClr val="accent1"/>
+            </a:fillRef>
+            <a:effectRef idx="2">
+              <a:schemeClr val="accent1"/>
+            </a:effectRef>
+            <a:fontRef idx="minor">
+              <a:schemeClr val="lt1"/>
+            </a:fontRef>
+          </p:style>
+          <p:txBody>
+            <a:bodyPr rtlCol="0" anchor="ctr"/>
+            <a:lstStyle/>
+            <a:p>
+              <a:pPr algn="ctr"/>
+              <a:r>
+                <a:rPr lang="en-US" dirty="0" smtClean="0"/>
+                <a:t>Alarm</a:t>
+              </a:r>
+              <a:endParaRPr lang="en-US" dirty="0"/>
+            </a:p>
+          </p:txBody>
+        </p:sp>
+        <p:sp>
+          <p:nvSpPr>
+            <p:cNvPr id="7" name="Rectangle 6"/>
+            <p:cNvSpPr/>
+            <p:nvPr/>
+          </p:nvSpPr>
+          <p:spPr>
+            <a:xfrm>
+              <a:off x="6499972" y="5407204"/>
+              <a:ext cx="914400" cy="914400"/>
+            </a:xfrm>
+            <a:prstGeom prst="rect">
+              <a:avLst/>
+            </a:prstGeom>
+          </p:spPr>
+          <p:style>
+            <a:lnRef idx="1">
+              <a:schemeClr val="accent1"/>
+            </a:lnRef>
+            <a:fillRef idx="3">
+              <a:schemeClr val="accent1"/>
+            </a:fillRef>
+            <a:effectRef idx="2">
+              <a:schemeClr val="accent1"/>
+            </a:effectRef>
+            <a:fontRef idx="minor">
+              <a:schemeClr val="lt1"/>
+            </a:fontRef>
+          </p:style>
+          <p:txBody>
+            <a:bodyPr rtlCol="0" anchor="ctr"/>
+            <a:lstStyle/>
+            <a:p>
+              <a:pPr algn="ctr"/>
+              <a:r>
+                <a:rPr lang="en-US" dirty="0" smtClean="0"/>
+                <a:t>Dog</a:t>
+              </a:r>
+              <a:endParaRPr lang="en-US" dirty="0"/>
+            </a:p>
+          </p:txBody>
+        </p:sp>
+        <p:sp>
+          <p:nvSpPr>
+            <p:cNvPr id="8" name="Rectangle 7"/>
+            <p:cNvSpPr/>
+            <p:nvPr/>
+          </p:nvSpPr>
+          <p:spPr>
+            <a:xfrm>
+              <a:off x="1761547" y="5407204"/>
+              <a:ext cx="914400" cy="914400"/>
+            </a:xfrm>
+            <a:prstGeom prst="rect">
+              <a:avLst/>
+            </a:prstGeom>
+          </p:spPr>
+          <p:style>
+            <a:lnRef idx="1">
+              <a:schemeClr val="accent1"/>
+            </a:lnRef>
+            <a:fillRef idx="3">
+              <a:schemeClr val="accent1"/>
+            </a:fillRef>
+            <a:effectRef idx="2">
+              <a:schemeClr val="accent1"/>
+            </a:effectRef>
+            <a:fontRef idx="minor">
+              <a:schemeClr val="lt1"/>
+            </a:fontRef>
+          </p:style>
+          <p:txBody>
+            <a:bodyPr rtlCol="0" anchor="ctr"/>
+            <a:lstStyle/>
+            <a:p>
+              <a:pPr algn="ctr"/>
+              <a:r>
+                <a:rPr lang="en-US" dirty="0" smtClean="0"/>
+                <a:t>Police</a:t>
+              </a:r>
+              <a:endParaRPr lang="en-US" dirty="0"/>
+            </a:p>
+          </p:txBody>
+        </p:sp>
+        <p:cxnSp>
+          <p:nvCxnSpPr>
+            <p:cNvPr id="10" name="Straight Arrow Connector 9"/>
+            <p:cNvCxnSpPr/>
+            <p:nvPr/>
+          </p:nvCxnSpPr>
+          <p:spPr>
+            <a:xfrm>
+              <a:off x="2675947" y="2989437"/>
+              <a:ext cx="1338741" cy="710492"/>
+            </a:xfrm>
+            <a:prstGeom prst="straightConnector1">
+              <a:avLst/>
+            </a:prstGeom>
+            <a:ln w="28575" cmpd="sng">
+              <a:tailEnd type="arrow"/>
+            </a:ln>
+          </p:spPr>
+          <p:style>
+            <a:lnRef idx="2">
+              <a:schemeClr val="accent1"/>
+            </a:lnRef>
+            <a:fillRef idx="0">
+              <a:schemeClr val="accent1"/>
+            </a:fillRef>
+            <a:effectRef idx="1">
+              <a:schemeClr val="accent1"/>
+            </a:effectRef>
+            <a:fontRef idx="minor">
+              <a:schemeClr val="tx1"/>
+            </a:fontRef>
+          </p:style>
+        </p:cxnSp>
+        <p:cxnSp>
+          <p:nvCxnSpPr>
+            <p:cNvPr id="11" name="Straight Arrow Connector 10"/>
+            <p:cNvCxnSpPr/>
+            <p:nvPr/>
+          </p:nvCxnSpPr>
+          <p:spPr>
+            <a:xfrm>
+              <a:off x="4988859" y="4614329"/>
+              <a:ext cx="1511113" cy="792875"/>
+            </a:xfrm>
+            <a:prstGeom prst="straightConnector1">
+              <a:avLst/>
+            </a:prstGeom>
+            <a:ln w="28575" cmpd="sng">
+              <a:tailEnd type="arrow"/>
+            </a:ln>
+          </p:spPr>
+          <p:style>
+            <a:lnRef idx="2">
+              <a:schemeClr val="accent1"/>
+            </a:lnRef>
+            <a:fillRef idx="0">
+              <a:schemeClr val="accent1"/>
+            </a:fillRef>
+            <a:effectRef idx="1">
+              <a:schemeClr val="accent1"/>
+            </a:effectRef>
+            <a:fontRef idx="minor">
+              <a:schemeClr val="tx1"/>
+            </a:fontRef>
+          </p:style>
+        </p:cxnSp>
+        <p:cxnSp>
+          <p:nvCxnSpPr>
+            <p:cNvPr id="12" name="Straight Arrow Connector 11"/>
+            <p:cNvCxnSpPr/>
+            <p:nvPr/>
+          </p:nvCxnSpPr>
+          <p:spPr>
+            <a:xfrm rot="10800000" flipV="1">
+              <a:off x="2675947" y="4614329"/>
+              <a:ext cx="1338741" cy="792875"/>
+            </a:xfrm>
+            <a:prstGeom prst="straightConnector1">
+              <a:avLst/>
+            </a:prstGeom>
+            <a:ln w="28575" cmpd="sng">
+              <a:tailEnd type="arrow"/>
+            </a:ln>
+          </p:spPr>
+          <p:style>
+            <a:lnRef idx="2">
+              <a:schemeClr val="accent1"/>
+            </a:lnRef>
+            <a:fillRef idx="0">
+              <a:schemeClr val="accent1"/>
+            </a:fillRef>
+            <a:effectRef idx="1">
+              <a:schemeClr val="accent1"/>
+            </a:effectRef>
+            <a:fontRef idx="minor">
+              <a:schemeClr val="tx1"/>
+            </a:fontRef>
+          </p:style>
+        </p:cxnSp>
+        <p:cxnSp>
+          <p:nvCxnSpPr>
+            <p:cNvPr id="13" name="Straight Arrow Connector 12"/>
+            <p:cNvCxnSpPr/>
+            <p:nvPr/>
+          </p:nvCxnSpPr>
+          <p:spPr>
+            <a:xfrm flipH="1">
+              <a:off x="4988858" y="2989437"/>
+              <a:ext cx="1511114" cy="710492"/>
+            </a:xfrm>
+            <a:prstGeom prst="straightConnector1">
+              <a:avLst/>
+            </a:prstGeom>
+            <a:ln w="28575" cmpd="sng">
+              <a:tailEnd type="arrow"/>
+            </a:ln>
+          </p:spPr>
+          <p:style>
+            <a:lnRef idx="2">
+              <a:schemeClr val="accent1"/>
+            </a:lnRef>
+            <a:fillRef idx="0">
+              <a:schemeClr val="accent1"/>
+            </a:fillRef>
+            <a:effectRef idx="1">
+              <a:schemeClr val="accent1"/>
+            </a:effectRef>
+            <a:fontRef idx="minor">
+              <a:schemeClr val="tx1"/>
+            </a:fontRef>
+          </p:style>
+        </p:cxnSp>
+        <p:sp>
+          <p:nvSpPr>
+            <p:cNvPr id="18" name="Rectangle 17"/>
+            <p:cNvSpPr/>
+            <p:nvPr/>
+          </p:nvSpPr>
+          <p:spPr>
+            <a:xfrm>
+              <a:off x="3233663" y="2958283"/>
+              <a:ext cx="357783" cy="369332"/>
+            </a:xfrm>
+            <a:prstGeom prst="rect">
+              <a:avLst/>
+            </a:prstGeom>
+          </p:spPr>
+          <p:txBody>
+            <a:bodyPr wrap="none">
+              <a:spAutoFit/>
+            </a:bodyPr>
+            <a:lstStyle/>
+            <a:p>
+              <a:r>
+                <a:rPr lang="el-GR" dirty="0" smtClean="0"/>
+                <a:t>β</a:t>
+              </a:r>
+              <a:r>
+                <a:rPr lang="en-US" dirty="0" smtClean="0"/>
+                <a:t>1</a:t>
+              </a:r>
+              <a:endParaRPr lang="en-US" dirty="0"/>
+            </a:p>
+          </p:txBody>
+        </p:sp>
+        <p:sp>
+          <p:nvSpPr>
+            <p:cNvPr id="19" name="Rectangle 18"/>
+            <p:cNvSpPr/>
+            <p:nvPr/>
+          </p:nvSpPr>
+          <p:spPr>
+            <a:xfrm>
+              <a:off x="5762179" y="4614329"/>
+              <a:ext cx="431841" cy="369332"/>
+            </a:xfrm>
+            <a:prstGeom prst="rect">
+              <a:avLst/>
+            </a:prstGeom>
+          </p:spPr>
+          <p:txBody>
+            <a:bodyPr wrap="none">
+              <a:spAutoFit/>
+            </a:bodyPr>
+            <a:lstStyle/>
+            <a:p>
+              <a:r>
+                <a:rPr lang="el-GR" dirty="0" smtClean="0"/>
+                <a:t>β</a:t>
+              </a:r>
+              <a:r>
+                <a:rPr lang="en-US" dirty="0"/>
+                <a:t>4</a:t>
+              </a:r>
+            </a:p>
+          </p:txBody>
+        </p:sp>
+        <p:sp>
+          <p:nvSpPr>
+            <p:cNvPr id="20" name="Rectangle 19"/>
+            <p:cNvSpPr/>
+            <p:nvPr/>
+          </p:nvSpPr>
+          <p:spPr>
+            <a:xfrm>
+              <a:off x="5393408" y="2958283"/>
+              <a:ext cx="415386" cy="369332"/>
+            </a:xfrm>
+            <a:prstGeom prst="rect">
+              <a:avLst/>
+            </a:prstGeom>
+          </p:spPr>
+          <p:txBody>
+            <a:bodyPr wrap="none">
+              <a:spAutoFit/>
+            </a:bodyPr>
+            <a:lstStyle/>
+            <a:p>
+              <a:r>
+                <a:rPr lang="el-GR" dirty="0" smtClean="0"/>
+                <a:t>β</a:t>
+              </a:r>
+              <a:r>
+                <a:rPr lang="en-US" dirty="0"/>
+                <a:t>2</a:t>
+              </a:r>
+            </a:p>
+          </p:txBody>
+        </p:sp>
+        <p:sp>
+          <p:nvSpPr>
+            <p:cNvPr id="21" name="Rectangle 20"/>
+            <p:cNvSpPr/>
+            <p:nvPr/>
+          </p:nvSpPr>
+          <p:spPr>
+            <a:xfrm>
+              <a:off x="2875880" y="4601229"/>
+              <a:ext cx="420908" cy="369332"/>
+            </a:xfrm>
+            <a:prstGeom prst="rect">
+              <a:avLst/>
+            </a:prstGeom>
+          </p:spPr>
+          <p:txBody>
+            <a:bodyPr wrap="none">
+              <a:spAutoFit/>
+            </a:bodyPr>
+            <a:lstStyle/>
+            <a:p>
+              <a:r>
+                <a:rPr lang="el-GR" dirty="0" smtClean="0"/>
+                <a:t>β</a:t>
+              </a:r>
+              <a:r>
+                <a:rPr lang="en-US" dirty="0"/>
+                <a:t>3</a:t>
+              </a:r>
+            </a:p>
+          </p:txBody>
+        </p:sp>
+      </p:grpSp>
+      <p:sp>
+        <p:nvSpPr>
+          <p:cNvPr id="9" name="TextBox 8"/>
+          <p:cNvSpPr txBox="1"/>
+          <p:nvPr/>
+        </p:nvSpPr>
+        <p:spPr>
+          <a:xfrm>
+            <a:off x="6281485" y="2727450"/>
+            <a:ext cx="2731082" cy="3046988"/>
+          </a:xfrm>
+          <a:prstGeom prst="rect">
+            <a:avLst/>
+          </a:prstGeom>
+          <a:noFill/>
+        </p:spPr>
+        <p:txBody>
+          <a:bodyPr wrap="square" rtlCol="0">
+            <a:spAutoFit/>
+          </a:bodyPr>
+          <a:lstStyle/>
+          <a:p>
+            <a:pPr marL="285750" indent="-285750">
+              <a:buFont typeface="Arial"/>
+              <a:buChar char="•"/>
+            </a:pPr>
+            <a:r>
+              <a:rPr lang="en-US" sz="2400" dirty="0" smtClean="0"/>
+              <a:t>Thief, EQ independent</a:t>
+            </a:r>
+          </a:p>
+          <a:p>
+            <a:pPr marL="285750" indent="-285750">
+              <a:buFont typeface="Arial"/>
+              <a:buChar char="•"/>
+            </a:pPr>
+            <a:r>
+              <a:rPr lang="en-US" sz="2400" dirty="0" smtClean="0"/>
+              <a:t>Thief, Police dependent</a:t>
+            </a:r>
+          </a:p>
+          <a:p>
+            <a:pPr marL="285750" indent="-285750">
+              <a:buFont typeface="Arial"/>
+              <a:buChar char="•"/>
+            </a:pPr>
+            <a:r>
+              <a:rPr lang="en-US" sz="2400" dirty="0" smtClean="0"/>
+              <a:t>Police, Dog dependent</a:t>
+            </a:r>
+          </a:p>
+          <a:p>
+            <a:pPr marL="285750" indent="-285750">
+              <a:buFont typeface="Arial"/>
+              <a:buChar char="•"/>
+            </a:pPr>
+            <a:r>
+              <a:rPr lang="en-US" sz="2400" dirty="0" smtClean="0"/>
+              <a:t>Thief, Dog dependent</a:t>
+            </a:r>
+            <a:endParaRPr lang="en-US" sz="2400" dirty="0"/>
+          </a:p>
+        </p:txBody>
+      </p:sp>
+    </p:spTree>
+    <p:extLst>
+      <p:ext uri="{BB962C8B-B14F-4D97-AF65-F5344CB8AC3E}">
+        <p14:creationId xmlns:p14="http://schemas.microsoft.com/office/powerpoint/2010/main" val="3740722899"/>
+      </p:ext>
+    </p:extLst>
+  </p:cSld>
+  <p:clrMapOvr>
+    <a:masterClrMapping/>
+  </p:clrMapOvr>
+  <p:timing>
+    <p:tnLst>
+      <p:par>
+        <p:cTn xmlns:p14="http://schemas.microsoft.com/office/powerpoint/2010/main" id="1" dur="indefinite" restart="never" nodeType="tmRoot"/>
+      </p:par>
+    </p:tnLst>
+  </p:timing>
+</p:sld>
+</file>
+
 <file path=ppt/slides/slide13.xml><?xml version="1.0" encoding="utf-8"?>
 <p:sld xmlns:a="http://schemas.openxmlformats.org/drawingml/2006/main" xmlns:r="http://schemas.openxmlformats.org/officeDocument/2006/relationships" xmlns:p="http://schemas.openxmlformats.org/presentationml/2006/main">
   <p:cSld>
@@ -16452,1018 +16965,556 @@
           </a:p>
         </p:txBody>
       </p:sp>
+      <p:grpSp>
+        <p:nvGrpSpPr>
+          <p:cNvPr id="2" name="Group 1"/>
+          <p:cNvGrpSpPr/>
+          <p:nvPr/>
+        </p:nvGrpSpPr>
+        <p:grpSpPr>
+          <a:xfrm>
+            <a:off x="259452" y="2075037"/>
+            <a:ext cx="5652825" cy="4246567"/>
+            <a:chOff x="1761547" y="2075037"/>
+            <a:chExt cx="5652825" cy="4246567"/>
+          </a:xfrm>
+        </p:grpSpPr>
+        <p:sp>
+          <p:nvSpPr>
+            <p:cNvPr id="4" name="Rectangle 3"/>
+            <p:cNvSpPr/>
+            <p:nvPr/>
+          </p:nvSpPr>
+          <p:spPr>
+            <a:xfrm>
+              <a:off x="1761547" y="2075037"/>
+              <a:ext cx="914400" cy="914400"/>
+            </a:xfrm>
+            <a:prstGeom prst="rect">
+              <a:avLst/>
+            </a:prstGeom>
+          </p:spPr>
+          <p:style>
+            <a:lnRef idx="1">
+              <a:schemeClr val="accent1"/>
+            </a:lnRef>
+            <a:fillRef idx="3">
+              <a:schemeClr val="accent1"/>
+            </a:fillRef>
+            <a:effectRef idx="2">
+              <a:schemeClr val="accent1"/>
+            </a:effectRef>
+            <a:fontRef idx="minor">
+              <a:schemeClr val="lt1"/>
+            </a:fontRef>
+          </p:style>
+          <p:txBody>
+            <a:bodyPr rtlCol="0" anchor="ctr"/>
+            <a:lstStyle/>
+            <a:p>
+              <a:pPr algn="ctr"/>
+              <a:r>
+                <a:rPr lang="en-US" dirty="0" smtClean="0"/>
+                <a:t>EQ</a:t>
+              </a:r>
+              <a:endParaRPr lang="en-US" dirty="0"/>
+            </a:p>
+          </p:txBody>
+        </p:sp>
+        <p:sp>
+          <p:nvSpPr>
+            <p:cNvPr id="5" name="Rectangle 4"/>
+            <p:cNvSpPr/>
+            <p:nvPr/>
+          </p:nvSpPr>
+          <p:spPr>
+            <a:xfrm>
+              <a:off x="6499972" y="2075037"/>
+              <a:ext cx="914400" cy="914400"/>
+            </a:xfrm>
+            <a:prstGeom prst="rect">
+              <a:avLst/>
+            </a:prstGeom>
+          </p:spPr>
+          <p:style>
+            <a:lnRef idx="1">
+              <a:schemeClr val="accent1"/>
+            </a:lnRef>
+            <a:fillRef idx="3">
+              <a:schemeClr val="accent1"/>
+            </a:fillRef>
+            <a:effectRef idx="2">
+              <a:schemeClr val="accent1"/>
+            </a:effectRef>
+            <a:fontRef idx="minor">
+              <a:schemeClr val="lt1"/>
+            </a:fontRef>
+          </p:style>
+          <p:txBody>
+            <a:bodyPr rtlCol="0" anchor="ctr"/>
+            <a:lstStyle/>
+            <a:p>
+              <a:pPr algn="ctr"/>
+              <a:r>
+                <a:rPr lang="en-US" dirty="0" smtClean="0"/>
+                <a:t>Thief</a:t>
+              </a:r>
+              <a:endParaRPr lang="en-US" dirty="0"/>
+            </a:p>
+          </p:txBody>
+        </p:sp>
+        <p:sp>
+          <p:nvSpPr>
+            <p:cNvPr id="6" name="Rectangle 5"/>
+            <p:cNvSpPr/>
+            <p:nvPr/>
+          </p:nvSpPr>
+          <p:spPr>
+            <a:xfrm>
+              <a:off x="4014688" y="3699929"/>
+              <a:ext cx="914400" cy="914400"/>
+            </a:xfrm>
+            <a:prstGeom prst="rect">
+              <a:avLst/>
+            </a:prstGeom>
+            <a:solidFill>
+              <a:srgbClr val="800000"/>
+            </a:solidFill>
+          </p:spPr>
+          <p:style>
+            <a:lnRef idx="1">
+              <a:schemeClr val="accent1"/>
+            </a:lnRef>
+            <a:fillRef idx="3">
+              <a:schemeClr val="accent1"/>
+            </a:fillRef>
+            <a:effectRef idx="2">
+              <a:schemeClr val="accent1"/>
+            </a:effectRef>
+            <a:fontRef idx="minor">
+              <a:schemeClr val="lt1"/>
+            </a:fontRef>
+          </p:style>
+          <p:txBody>
+            <a:bodyPr rtlCol="0" anchor="ctr"/>
+            <a:lstStyle/>
+            <a:p>
+              <a:pPr algn="ctr"/>
+              <a:r>
+                <a:rPr lang="en-US" dirty="0" smtClean="0"/>
+                <a:t>Alarm</a:t>
+              </a:r>
+              <a:endParaRPr lang="en-US" dirty="0"/>
+            </a:p>
+          </p:txBody>
+        </p:sp>
+        <p:sp>
+          <p:nvSpPr>
+            <p:cNvPr id="7" name="Rectangle 6"/>
+            <p:cNvSpPr/>
+            <p:nvPr/>
+          </p:nvSpPr>
+          <p:spPr>
+            <a:xfrm>
+              <a:off x="6499972" y="5407204"/>
+              <a:ext cx="914400" cy="914400"/>
+            </a:xfrm>
+            <a:prstGeom prst="rect">
+              <a:avLst/>
+            </a:prstGeom>
+          </p:spPr>
+          <p:style>
+            <a:lnRef idx="1">
+              <a:schemeClr val="accent1"/>
+            </a:lnRef>
+            <a:fillRef idx="3">
+              <a:schemeClr val="accent1"/>
+            </a:fillRef>
+            <a:effectRef idx="2">
+              <a:schemeClr val="accent1"/>
+            </a:effectRef>
+            <a:fontRef idx="minor">
+              <a:schemeClr val="lt1"/>
+            </a:fontRef>
+          </p:style>
+          <p:txBody>
+            <a:bodyPr rtlCol="0" anchor="ctr"/>
+            <a:lstStyle/>
+            <a:p>
+              <a:pPr algn="ctr"/>
+              <a:r>
+                <a:rPr lang="en-US" dirty="0" smtClean="0"/>
+                <a:t>Dog</a:t>
+              </a:r>
+              <a:endParaRPr lang="en-US" dirty="0"/>
+            </a:p>
+          </p:txBody>
+        </p:sp>
+        <p:sp>
+          <p:nvSpPr>
+            <p:cNvPr id="8" name="Rectangle 7"/>
+            <p:cNvSpPr/>
+            <p:nvPr/>
+          </p:nvSpPr>
+          <p:spPr>
+            <a:xfrm>
+              <a:off x="1761547" y="5407204"/>
+              <a:ext cx="914400" cy="914400"/>
+            </a:xfrm>
+            <a:prstGeom prst="rect">
+              <a:avLst/>
+            </a:prstGeom>
+          </p:spPr>
+          <p:style>
+            <a:lnRef idx="1">
+              <a:schemeClr val="accent1"/>
+            </a:lnRef>
+            <a:fillRef idx="3">
+              <a:schemeClr val="accent1"/>
+            </a:fillRef>
+            <a:effectRef idx="2">
+              <a:schemeClr val="accent1"/>
+            </a:effectRef>
+            <a:fontRef idx="minor">
+              <a:schemeClr val="lt1"/>
+            </a:fontRef>
+          </p:style>
+          <p:txBody>
+            <a:bodyPr rtlCol="0" anchor="ctr"/>
+            <a:lstStyle/>
+            <a:p>
+              <a:pPr algn="ctr"/>
+              <a:r>
+                <a:rPr lang="en-US" dirty="0" smtClean="0"/>
+                <a:t>Police</a:t>
+              </a:r>
+              <a:endParaRPr lang="en-US" dirty="0"/>
+            </a:p>
+          </p:txBody>
+        </p:sp>
+        <p:cxnSp>
+          <p:nvCxnSpPr>
+            <p:cNvPr id="10" name="Straight Arrow Connector 9"/>
+            <p:cNvCxnSpPr/>
+            <p:nvPr/>
+          </p:nvCxnSpPr>
+          <p:spPr>
+            <a:xfrm>
+              <a:off x="2675947" y="2989437"/>
+              <a:ext cx="1338741" cy="710492"/>
+            </a:xfrm>
+            <a:prstGeom prst="straightConnector1">
+              <a:avLst/>
+            </a:prstGeom>
+            <a:ln w="28575" cmpd="sng">
+              <a:tailEnd type="arrow"/>
+            </a:ln>
+          </p:spPr>
+          <p:style>
+            <a:lnRef idx="2">
+              <a:schemeClr val="accent1"/>
+            </a:lnRef>
+            <a:fillRef idx="0">
+              <a:schemeClr val="accent1"/>
+            </a:fillRef>
+            <a:effectRef idx="1">
+              <a:schemeClr val="accent1"/>
+            </a:effectRef>
+            <a:fontRef idx="minor">
+              <a:schemeClr val="tx1"/>
+            </a:fontRef>
+          </p:style>
+        </p:cxnSp>
+        <p:cxnSp>
+          <p:nvCxnSpPr>
+            <p:cNvPr id="11" name="Straight Arrow Connector 10"/>
+            <p:cNvCxnSpPr/>
+            <p:nvPr/>
+          </p:nvCxnSpPr>
+          <p:spPr>
+            <a:xfrm>
+              <a:off x="4988859" y="4614329"/>
+              <a:ext cx="1511113" cy="792875"/>
+            </a:xfrm>
+            <a:prstGeom prst="straightConnector1">
+              <a:avLst/>
+            </a:prstGeom>
+            <a:ln w="28575" cmpd="sng">
+              <a:tailEnd type="arrow"/>
+            </a:ln>
+          </p:spPr>
+          <p:style>
+            <a:lnRef idx="2">
+              <a:schemeClr val="accent1"/>
+            </a:lnRef>
+            <a:fillRef idx="0">
+              <a:schemeClr val="accent1"/>
+            </a:fillRef>
+            <a:effectRef idx="1">
+              <a:schemeClr val="accent1"/>
+            </a:effectRef>
+            <a:fontRef idx="minor">
+              <a:schemeClr val="tx1"/>
+            </a:fontRef>
+          </p:style>
+        </p:cxnSp>
+        <p:cxnSp>
+          <p:nvCxnSpPr>
+            <p:cNvPr id="12" name="Straight Arrow Connector 11"/>
+            <p:cNvCxnSpPr/>
+            <p:nvPr/>
+          </p:nvCxnSpPr>
+          <p:spPr>
+            <a:xfrm rot="10800000" flipV="1">
+              <a:off x="2675947" y="4614329"/>
+              <a:ext cx="1338741" cy="792875"/>
+            </a:xfrm>
+            <a:prstGeom prst="straightConnector1">
+              <a:avLst/>
+            </a:prstGeom>
+            <a:ln w="28575" cmpd="sng">
+              <a:tailEnd type="arrow"/>
+            </a:ln>
+          </p:spPr>
+          <p:style>
+            <a:lnRef idx="2">
+              <a:schemeClr val="accent1"/>
+            </a:lnRef>
+            <a:fillRef idx="0">
+              <a:schemeClr val="accent1"/>
+            </a:fillRef>
+            <a:effectRef idx="1">
+              <a:schemeClr val="accent1"/>
+            </a:effectRef>
+            <a:fontRef idx="minor">
+              <a:schemeClr val="tx1"/>
+            </a:fontRef>
+          </p:style>
+        </p:cxnSp>
+        <p:cxnSp>
+          <p:nvCxnSpPr>
+            <p:cNvPr id="13" name="Straight Arrow Connector 12"/>
+            <p:cNvCxnSpPr/>
+            <p:nvPr/>
+          </p:nvCxnSpPr>
+          <p:spPr>
+            <a:xfrm flipH="1">
+              <a:off x="4988858" y="2989437"/>
+              <a:ext cx="1511114" cy="710492"/>
+            </a:xfrm>
+            <a:prstGeom prst="straightConnector1">
+              <a:avLst/>
+            </a:prstGeom>
+            <a:ln w="28575" cmpd="sng">
+              <a:tailEnd type="arrow"/>
+            </a:ln>
+          </p:spPr>
+          <p:style>
+            <a:lnRef idx="2">
+              <a:schemeClr val="accent1"/>
+            </a:lnRef>
+            <a:fillRef idx="0">
+              <a:schemeClr val="accent1"/>
+            </a:fillRef>
+            <a:effectRef idx="1">
+              <a:schemeClr val="accent1"/>
+            </a:effectRef>
+            <a:fontRef idx="minor">
+              <a:schemeClr val="tx1"/>
+            </a:fontRef>
+          </p:style>
+        </p:cxnSp>
+        <p:sp>
+          <p:nvSpPr>
+            <p:cNvPr id="18" name="Rectangle 17"/>
+            <p:cNvSpPr/>
+            <p:nvPr/>
+          </p:nvSpPr>
+          <p:spPr>
+            <a:xfrm>
+              <a:off x="3233663" y="2958283"/>
+              <a:ext cx="357783" cy="369332"/>
+            </a:xfrm>
+            <a:prstGeom prst="rect">
+              <a:avLst/>
+            </a:prstGeom>
+          </p:spPr>
+          <p:txBody>
+            <a:bodyPr wrap="none">
+              <a:spAutoFit/>
+            </a:bodyPr>
+            <a:lstStyle/>
+            <a:p>
+              <a:r>
+                <a:rPr lang="el-GR" dirty="0" smtClean="0"/>
+                <a:t>β</a:t>
+              </a:r>
+              <a:r>
+                <a:rPr lang="en-US" dirty="0" smtClean="0"/>
+                <a:t>1</a:t>
+              </a:r>
+              <a:endParaRPr lang="en-US" dirty="0"/>
+            </a:p>
+          </p:txBody>
+        </p:sp>
+        <p:sp>
+          <p:nvSpPr>
+            <p:cNvPr id="19" name="Rectangle 18"/>
+            <p:cNvSpPr/>
+            <p:nvPr/>
+          </p:nvSpPr>
+          <p:spPr>
+            <a:xfrm>
+              <a:off x="5762179" y="4614329"/>
+              <a:ext cx="431841" cy="369332"/>
+            </a:xfrm>
+            <a:prstGeom prst="rect">
+              <a:avLst/>
+            </a:prstGeom>
+          </p:spPr>
+          <p:txBody>
+            <a:bodyPr wrap="none">
+              <a:spAutoFit/>
+            </a:bodyPr>
+            <a:lstStyle/>
+            <a:p>
+              <a:r>
+                <a:rPr lang="el-GR" dirty="0" smtClean="0"/>
+                <a:t>β</a:t>
+              </a:r>
+              <a:r>
+                <a:rPr lang="en-US" dirty="0"/>
+                <a:t>4</a:t>
+              </a:r>
+            </a:p>
+          </p:txBody>
+        </p:sp>
+        <p:sp>
+          <p:nvSpPr>
+            <p:cNvPr id="20" name="Rectangle 19"/>
+            <p:cNvSpPr/>
+            <p:nvPr/>
+          </p:nvSpPr>
+          <p:spPr>
+            <a:xfrm>
+              <a:off x="5393408" y="2958283"/>
+              <a:ext cx="415386" cy="369332"/>
+            </a:xfrm>
+            <a:prstGeom prst="rect">
+              <a:avLst/>
+            </a:prstGeom>
+          </p:spPr>
+          <p:txBody>
+            <a:bodyPr wrap="none">
+              <a:spAutoFit/>
+            </a:bodyPr>
+            <a:lstStyle/>
+            <a:p>
+              <a:r>
+                <a:rPr lang="el-GR" dirty="0" smtClean="0"/>
+                <a:t>β</a:t>
+              </a:r>
+              <a:r>
+                <a:rPr lang="en-US" dirty="0"/>
+                <a:t>2</a:t>
+              </a:r>
+            </a:p>
+          </p:txBody>
+        </p:sp>
+        <p:sp>
+          <p:nvSpPr>
+            <p:cNvPr id="21" name="Rectangle 20"/>
+            <p:cNvSpPr/>
+            <p:nvPr/>
+          </p:nvSpPr>
+          <p:spPr>
+            <a:xfrm>
+              <a:off x="2875880" y="4601229"/>
+              <a:ext cx="420908" cy="369332"/>
+            </a:xfrm>
+            <a:prstGeom prst="rect">
+              <a:avLst/>
+            </a:prstGeom>
+          </p:spPr>
+          <p:txBody>
+            <a:bodyPr wrap="none">
+              <a:spAutoFit/>
+            </a:bodyPr>
+            <a:lstStyle/>
+            <a:p>
+              <a:r>
+                <a:rPr lang="el-GR" dirty="0" smtClean="0"/>
+                <a:t>β</a:t>
+              </a:r>
+              <a:r>
+                <a:rPr lang="en-US" dirty="0"/>
+                <a:t>3</a:t>
+              </a:r>
+            </a:p>
+          </p:txBody>
+        </p:sp>
+      </p:grpSp>
       <p:sp>
         <p:nvSpPr>
-          <p:cNvPr id="4" name="Rectangle 3"/>
-          <p:cNvSpPr/>
+          <p:cNvPr id="17" name="TextBox 16"/>
+          <p:cNvSpPr txBox="1"/>
           <p:nvPr/>
         </p:nvSpPr>
         <p:spPr>
           <a:xfrm>
-            <a:off x="1761547" y="2075037"/>
-            <a:ext cx="914400" cy="914400"/>
+            <a:off x="6281485" y="2727450"/>
+            <a:ext cx="2731082" cy="3046988"/>
           </a:xfrm>
           <a:prstGeom prst="rect">
             <a:avLst/>
           </a:prstGeom>
-        </p:spPr>
-        <p:style>
-          <a:lnRef idx="1">
-            <a:schemeClr val="accent1"/>
-          </a:lnRef>
-          <a:fillRef idx="3">
-            <a:schemeClr val="accent1"/>
-          </a:fillRef>
-          <a:effectRef idx="2">
-            <a:schemeClr val="accent1"/>
-          </a:effectRef>
-          <a:fontRef idx="minor">
-            <a:schemeClr val="lt1"/>
-          </a:fontRef>
-        </p:style>
-        <p:txBody>
-          <a:bodyPr rtlCol="0" anchor="ctr"/>
-          <a:lstStyle/>
-          <a:p>
-            <a:pPr algn="ctr"/>
-            <a:r>
-              <a:rPr lang="en-US" dirty="0" smtClean="0"/>
-              <a:t>EQ</a:t>
-            </a:r>
-            <a:endParaRPr lang="en-US" dirty="0"/>
-          </a:p>
-        </p:txBody>
-      </p:sp>
-      <p:sp>
-        <p:nvSpPr>
-          <p:cNvPr id="5" name="Rectangle 4"/>
-          <p:cNvSpPr/>
-          <p:nvPr/>
-        </p:nvSpPr>
-        <p:spPr>
-          <a:xfrm>
-            <a:off x="6499972" y="2075037"/>
-            <a:ext cx="914400" cy="914400"/>
-          </a:xfrm>
-          <a:prstGeom prst="rect">
-            <a:avLst/>
-          </a:prstGeom>
-        </p:spPr>
-        <p:style>
-          <a:lnRef idx="1">
-            <a:schemeClr val="accent1"/>
-          </a:lnRef>
-          <a:fillRef idx="3">
-            <a:schemeClr val="accent1"/>
-          </a:fillRef>
-          <a:effectRef idx="2">
-            <a:schemeClr val="accent1"/>
-          </a:effectRef>
-          <a:fontRef idx="minor">
-            <a:schemeClr val="lt1"/>
-          </a:fontRef>
-        </p:style>
-        <p:txBody>
-          <a:bodyPr rtlCol="0" anchor="ctr"/>
-          <a:lstStyle/>
-          <a:p>
-            <a:pPr algn="ctr"/>
-            <a:r>
-              <a:rPr lang="en-US" dirty="0" smtClean="0"/>
-              <a:t>Thief</a:t>
-            </a:r>
-            <a:endParaRPr lang="en-US" dirty="0"/>
-          </a:p>
-        </p:txBody>
-      </p:sp>
-      <p:sp>
-        <p:nvSpPr>
-          <p:cNvPr id="6" name="Rectangle 5"/>
-          <p:cNvSpPr/>
-          <p:nvPr/>
-        </p:nvSpPr>
-        <p:spPr>
-          <a:xfrm>
-            <a:off x="4014688" y="3699929"/>
-            <a:ext cx="914400" cy="914400"/>
-          </a:xfrm>
-          <a:prstGeom prst="rect">
-            <a:avLst/>
-          </a:prstGeom>
-        </p:spPr>
-        <p:style>
-          <a:lnRef idx="1">
-            <a:schemeClr val="accent1"/>
-          </a:lnRef>
-          <a:fillRef idx="3">
-            <a:schemeClr val="accent1"/>
-          </a:fillRef>
-          <a:effectRef idx="2">
-            <a:schemeClr val="accent1"/>
-          </a:effectRef>
-          <a:fontRef idx="minor">
-            <a:schemeClr val="lt1"/>
-          </a:fontRef>
-        </p:style>
-        <p:txBody>
-          <a:bodyPr rtlCol="0" anchor="ctr"/>
-          <a:lstStyle/>
-          <a:p>
-            <a:pPr algn="ctr"/>
-            <a:r>
-              <a:rPr lang="en-US" dirty="0" smtClean="0"/>
-              <a:t>Alarm</a:t>
-            </a:r>
-            <a:endParaRPr lang="en-US" dirty="0"/>
-          </a:p>
-        </p:txBody>
-      </p:sp>
-      <p:sp>
-        <p:nvSpPr>
-          <p:cNvPr id="7" name="Rectangle 6"/>
-          <p:cNvSpPr/>
-          <p:nvPr/>
-        </p:nvSpPr>
-        <p:spPr>
-          <a:xfrm>
-            <a:off x="6499972" y="5407204"/>
-            <a:ext cx="914400" cy="914400"/>
-          </a:xfrm>
-          <a:prstGeom prst="rect">
-            <a:avLst/>
-          </a:prstGeom>
-        </p:spPr>
-        <p:style>
-          <a:lnRef idx="1">
-            <a:schemeClr val="accent1"/>
-          </a:lnRef>
-          <a:fillRef idx="3">
-            <a:schemeClr val="accent1"/>
-          </a:fillRef>
-          <a:effectRef idx="2">
-            <a:schemeClr val="accent1"/>
-          </a:effectRef>
-          <a:fontRef idx="minor">
-            <a:schemeClr val="lt1"/>
-          </a:fontRef>
-        </p:style>
-        <p:txBody>
-          <a:bodyPr rtlCol="0" anchor="ctr"/>
-          <a:lstStyle/>
-          <a:p>
-            <a:pPr algn="ctr"/>
-            <a:r>
-              <a:rPr lang="en-US" dirty="0" smtClean="0"/>
-              <a:t>Dog</a:t>
-            </a:r>
-            <a:endParaRPr lang="en-US" dirty="0"/>
-          </a:p>
-        </p:txBody>
-      </p:sp>
-      <p:sp>
-        <p:nvSpPr>
-          <p:cNvPr id="8" name="Rectangle 7"/>
-          <p:cNvSpPr/>
-          <p:nvPr/>
-        </p:nvSpPr>
-        <p:spPr>
-          <a:xfrm>
-            <a:off x="1761547" y="5407204"/>
-            <a:ext cx="914400" cy="914400"/>
-          </a:xfrm>
-          <a:prstGeom prst="rect">
-            <a:avLst/>
-          </a:prstGeom>
-        </p:spPr>
-        <p:style>
-          <a:lnRef idx="1">
-            <a:schemeClr val="accent1"/>
-          </a:lnRef>
-          <a:fillRef idx="3">
-            <a:schemeClr val="accent1"/>
-          </a:fillRef>
-          <a:effectRef idx="2">
-            <a:schemeClr val="accent1"/>
-          </a:effectRef>
-          <a:fontRef idx="minor">
-            <a:schemeClr val="lt1"/>
-          </a:fontRef>
-        </p:style>
-        <p:txBody>
-          <a:bodyPr rtlCol="0" anchor="ctr"/>
-          <a:lstStyle/>
-          <a:p>
-            <a:pPr algn="ctr"/>
-            <a:r>
-              <a:rPr lang="en-US" dirty="0" smtClean="0"/>
-              <a:t>Police</a:t>
-            </a:r>
-            <a:endParaRPr lang="en-US" dirty="0"/>
-          </a:p>
-        </p:txBody>
-      </p:sp>
-      <p:cxnSp>
-        <p:nvCxnSpPr>
-          <p:cNvPr id="10" name="Straight Arrow Connector 9"/>
-          <p:cNvCxnSpPr/>
-          <p:nvPr/>
-        </p:nvCxnSpPr>
-        <p:spPr>
-          <a:xfrm>
-            <a:off x="2675947" y="2989437"/>
-            <a:ext cx="1338741" cy="710492"/>
-          </a:xfrm>
-          <a:prstGeom prst="straightConnector1">
-            <a:avLst/>
-          </a:prstGeom>
-          <a:ln w="28575" cmpd="sng">
-            <a:tailEnd type="arrow"/>
-          </a:ln>
-        </p:spPr>
-        <p:style>
-          <a:lnRef idx="2">
-            <a:schemeClr val="accent1"/>
-          </a:lnRef>
-          <a:fillRef idx="0">
-            <a:schemeClr val="accent1"/>
-          </a:fillRef>
-          <a:effectRef idx="1">
-            <a:schemeClr val="accent1"/>
-          </a:effectRef>
-          <a:fontRef idx="minor">
-            <a:schemeClr val="tx1"/>
-          </a:fontRef>
-        </p:style>
-      </p:cxnSp>
-      <p:cxnSp>
-        <p:nvCxnSpPr>
-          <p:cNvPr id="11" name="Straight Arrow Connector 10"/>
-          <p:cNvCxnSpPr/>
-          <p:nvPr/>
-        </p:nvCxnSpPr>
-        <p:spPr>
-          <a:xfrm>
-            <a:off x="4988859" y="4614329"/>
-            <a:ext cx="1511113" cy="792875"/>
-          </a:xfrm>
-          <a:prstGeom prst="straightConnector1">
-            <a:avLst/>
-          </a:prstGeom>
-          <a:ln w="28575" cmpd="sng">
-            <a:tailEnd type="arrow"/>
-          </a:ln>
-        </p:spPr>
-        <p:style>
-          <a:lnRef idx="2">
-            <a:schemeClr val="accent1"/>
-          </a:lnRef>
-          <a:fillRef idx="0">
-            <a:schemeClr val="accent1"/>
-          </a:fillRef>
-          <a:effectRef idx="1">
-            <a:schemeClr val="accent1"/>
-          </a:effectRef>
-          <a:fontRef idx="minor">
-            <a:schemeClr val="tx1"/>
-          </a:fontRef>
-        </p:style>
-      </p:cxnSp>
-      <p:cxnSp>
-        <p:nvCxnSpPr>
-          <p:cNvPr id="12" name="Straight Arrow Connector 11"/>
-          <p:cNvCxnSpPr/>
-          <p:nvPr/>
-        </p:nvCxnSpPr>
-        <p:spPr>
-          <a:xfrm rot="10800000" flipV="1">
-            <a:off x="2675947" y="4614329"/>
-            <a:ext cx="1338741" cy="792875"/>
-          </a:xfrm>
-          <a:prstGeom prst="straightConnector1">
-            <a:avLst/>
-          </a:prstGeom>
-          <a:ln w="28575" cmpd="sng">
-            <a:tailEnd type="arrow"/>
-          </a:ln>
-        </p:spPr>
-        <p:style>
-          <a:lnRef idx="2">
-            <a:schemeClr val="accent1"/>
-          </a:lnRef>
-          <a:fillRef idx="0">
-            <a:schemeClr val="accent1"/>
-          </a:fillRef>
-          <a:effectRef idx="1">
-            <a:schemeClr val="accent1"/>
-          </a:effectRef>
-          <a:fontRef idx="minor">
-            <a:schemeClr val="tx1"/>
-          </a:fontRef>
-        </p:style>
-      </p:cxnSp>
-      <p:cxnSp>
-        <p:nvCxnSpPr>
-          <p:cNvPr id="13" name="Straight Arrow Connector 12"/>
-          <p:cNvCxnSpPr/>
-          <p:nvPr/>
-        </p:nvCxnSpPr>
-        <p:spPr>
-          <a:xfrm flipH="1">
-            <a:off x="4988858" y="2989437"/>
-            <a:ext cx="1511114" cy="710492"/>
-          </a:xfrm>
-          <a:prstGeom prst="straightConnector1">
-            <a:avLst/>
-          </a:prstGeom>
-          <a:ln w="28575" cmpd="sng">
-            <a:tailEnd type="arrow"/>
-          </a:ln>
-        </p:spPr>
-        <p:style>
-          <a:lnRef idx="2">
-            <a:schemeClr val="accent1"/>
-          </a:lnRef>
-          <a:fillRef idx="0">
-            <a:schemeClr val="accent1"/>
-          </a:fillRef>
-          <a:effectRef idx="1">
-            <a:schemeClr val="accent1"/>
-          </a:effectRef>
-          <a:fontRef idx="minor">
-            <a:schemeClr val="tx1"/>
-          </a:fontRef>
-        </p:style>
-      </p:cxnSp>
-      <p:sp>
-        <p:nvSpPr>
-          <p:cNvPr id="18" name="Rectangle 17"/>
-          <p:cNvSpPr/>
-          <p:nvPr/>
-        </p:nvSpPr>
-        <p:spPr>
-          <a:xfrm>
-            <a:off x="3233663" y="2958283"/>
-            <a:ext cx="357783" cy="369332"/>
-          </a:xfrm>
-          <a:prstGeom prst="rect">
-            <a:avLst/>
-          </a:prstGeom>
+          <a:noFill/>
         </p:spPr>
         <p:txBody>
-          <a:bodyPr wrap="none">
+          <a:bodyPr wrap="square" rtlCol="0">
             <a:spAutoFit/>
           </a:bodyPr>
           <a:lstStyle/>
           <a:p>
-            <a:r>
-              <a:rPr lang="el-GR" dirty="0" smtClean="0"/>
-              <a:t>β</a:t>
-            </a:r>
-            <a:r>
-              <a:rPr lang="en-US" dirty="0" smtClean="0"/>
-              <a:t>1</a:t>
-            </a:r>
-            <a:endParaRPr lang="en-US" dirty="0"/>
+            <a:pPr marL="285750" indent="-285750">
+              <a:buFont typeface="Arial"/>
+              <a:buChar char="•"/>
+            </a:pPr>
+            <a:r>
+              <a:rPr lang="en-US" sz="2400" dirty="0" smtClean="0"/>
+              <a:t>Thief, EQ dependent</a:t>
+            </a:r>
           </a:p>
-        </p:txBody>
-      </p:sp>
-      <p:sp>
-        <p:nvSpPr>
-          <p:cNvPr id="19" name="Rectangle 18"/>
-          <p:cNvSpPr/>
-          <p:nvPr/>
-        </p:nvSpPr>
-        <p:spPr>
-          <a:xfrm>
-            <a:off x="5762179" y="4614329"/>
-            <a:ext cx="431841" cy="369332"/>
-          </a:xfrm>
-          <a:prstGeom prst="rect">
-            <a:avLst/>
-          </a:prstGeom>
-        </p:spPr>
-        <p:txBody>
-          <a:bodyPr wrap="none">
-            <a:spAutoFit/>
-          </a:bodyPr>
-          <a:lstStyle/>
           <a:p>
-            <a:r>
-              <a:rPr lang="el-GR" dirty="0" smtClean="0"/>
-              <a:t>β</a:t>
-            </a:r>
-            <a:r>
-              <a:rPr lang="en-US" dirty="0"/>
-              <a:t>4</a:t>
-            </a:r>
-            <a:endParaRPr lang="en-US" dirty="0"/>
+            <a:pPr marL="285750" indent="-285750">
+              <a:buFont typeface="Arial"/>
+              <a:buChar char="•"/>
+            </a:pPr>
+            <a:r>
+              <a:rPr lang="en-US" sz="2400" dirty="0" smtClean="0"/>
+              <a:t>Thief, Police independent</a:t>
+            </a:r>
           </a:p>
-        </p:txBody>
-      </p:sp>
-      <p:sp>
-        <p:nvSpPr>
-          <p:cNvPr id="20" name="Rectangle 19"/>
-          <p:cNvSpPr/>
-          <p:nvPr/>
-        </p:nvSpPr>
-        <p:spPr>
-          <a:xfrm>
-            <a:off x="5393408" y="2958283"/>
-            <a:ext cx="415386" cy="369332"/>
-          </a:xfrm>
-          <a:prstGeom prst="rect">
-            <a:avLst/>
-          </a:prstGeom>
-        </p:spPr>
-        <p:txBody>
-          <a:bodyPr wrap="none">
-            <a:spAutoFit/>
-          </a:bodyPr>
-          <a:lstStyle/>
           <a:p>
-            <a:r>
-              <a:rPr lang="el-GR" dirty="0" smtClean="0"/>
-              <a:t>β</a:t>
-            </a:r>
-            <a:r>
-              <a:rPr lang="en-US" dirty="0"/>
-              <a:t>2</a:t>
-            </a:r>
-            <a:endParaRPr lang="en-US" dirty="0"/>
+            <a:pPr marL="285750" indent="-285750">
+              <a:buFont typeface="Arial"/>
+              <a:buChar char="•"/>
+            </a:pPr>
+            <a:r>
+              <a:rPr lang="en-US" sz="2400" dirty="0" smtClean="0"/>
+              <a:t>Police, Dog independent</a:t>
+            </a:r>
           </a:p>
-        </p:txBody>
-      </p:sp>
-      <p:sp>
-        <p:nvSpPr>
-          <p:cNvPr id="21" name="Rectangle 20"/>
-          <p:cNvSpPr/>
-          <p:nvPr/>
-        </p:nvSpPr>
-        <p:spPr>
-          <a:xfrm>
-            <a:off x="2875880" y="4601229"/>
-            <a:ext cx="420908" cy="369332"/>
-          </a:xfrm>
-          <a:prstGeom prst="rect">
-            <a:avLst/>
-          </a:prstGeom>
-        </p:spPr>
-        <p:txBody>
-          <a:bodyPr wrap="none">
-            <a:spAutoFit/>
-          </a:bodyPr>
-          <a:lstStyle/>
           <a:p>
-            <a:r>
-              <a:rPr lang="el-GR" dirty="0" smtClean="0"/>
-              <a:t>β</a:t>
-            </a:r>
-            <a:r>
-              <a:rPr lang="en-US" dirty="0"/>
-              <a:t>3</a:t>
-            </a:r>
-            <a:endParaRPr lang="en-US" dirty="0"/>
-          </a:p>
-        </p:txBody>
-      </p:sp>
-    </p:spTree>
-    <p:extLst>
-      <p:ext uri="{BB962C8B-B14F-4D97-AF65-F5344CB8AC3E}">
-        <p14:creationId xmlns:p14="http://schemas.microsoft.com/office/powerpoint/2010/main" val="3740722899"/>
-      </p:ext>
-    </p:extLst>
-  </p:cSld>
-  <p:clrMapOvr>
-    <a:masterClrMapping/>
-  </p:clrMapOvr>
-  <p:timing>
-    <p:tnLst>
-      <p:par>
-        <p:cTn xmlns:p14="http://schemas.microsoft.com/office/powerpoint/2010/main" id="1" dur="indefinite" restart="never" nodeType="tmRoot"/>
-      </p:par>
-    </p:tnLst>
-  </p:timing>
-</p:sld>
-</file>
-
-<file path=ppt/slides/slide14.xml><?xml version="1.0" encoding="utf-8"?>
-<p:sld xmlns:a="http://schemas.openxmlformats.org/drawingml/2006/main" xmlns:r="http://schemas.openxmlformats.org/officeDocument/2006/relationships" xmlns:p="http://schemas.openxmlformats.org/presentationml/2006/main">
-  <p:cSld>
-    <p:spTree>
-      <p:nvGrpSpPr>
-        <p:cNvPr id="1" name=""/>
-        <p:cNvGrpSpPr/>
-        <p:nvPr/>
-      </p:nvGrpSpPr>
-      <p:grpSpPr>
-        <a:xfrm>
-          <a:off x="0" y="0"/>
-          <a:ext cx="0" cy="0"/>
-          <a:chOff x="0" y="0"/>
-          <a:chExt cx="0" cy="0"/>
-        </a:xfrm>
-      </p:grpSpPr>
-      <p:sp>
-        <p:nvSpPr>
-          <p:cNvPr id="3" name="Title 2"/>
-          <p:cNvSpPr>
-            <a:spLocks noGrp="1"/>
-          </p:cNvSpPr>
-          <p:nvPr>
-            <p:ph type="title"/>
-          </p:nvPr>
-        </p:nvSpPr>
-        <p:spPr>
-          <a:solidFill>
-            <a:srgbClr val="008000"/>
-          </a:solidFill>
-        </p:spPr>
-        <p:txBody>
-          <a:bodyPr/>
-          <a:lstStyle/>
-          <a:p>
-            <a:r>
-              <a:rPr lang="en-US" dirty="0" smtClean="0"/>
-              <a:t>Bayes Ball</a:t>
-            </a:r>
-            <a:endParaRPr lang="en-US" dirty="0"/>
-          </a:p>
-        </p:txBody>
-      </p:sp>
-      <p:sp>
-        <p:nvSpPr>
-          <p:cNvPr id="4" name="Rectangle 3"/>
-          <p:cNvSpPr/>
-          <p:nvPr/>
-        </p:nvSpPr>
-        <p:spPr>
-          <a:xfrm>
-            <a:off x="1761547" y="2075037"/>
-            <a:ext cx="914400" cy="914400"/>
-          </a:xfrm>
-          <a:prstGeom prst="rect">
-            <a:avLst/>
-          </a:prstGeom>
-        </p:spPr>
-        <p:style>
-          <a:lnRef idx="1">
-            <a:schemeClr val="accent1"/>
-          </a:lnRef>
-          <a:fillRef idx="3">
-            <a:schemeClr val="accent1"/>
-          </a:fillRef>
-          <a:effectRef idx="2">
-            <a:schemeClr val="accent1"/>
-          </a:effectRef>
-          <a:fontRef idx="minor">
-            <a:schemeClr val="lt1"/>
-          </a:fontRef>
-        </p:style>
-        <p:txBody>
-          <a:bodyPr rtlCol="0" anchor="ctr"/>
-          <a:lstStyle/>
-          <a:p>
-            <a:pPr algn="ctr"/>
-            <a:r>
-              <a:rPr lang="en-US" dirty="0" smtClean="0"/>
-              <a:t>EQ</a:t>
-            </a:r>
-            <a:endParaRPr lang="en-US" dirty="0"/>
-          </a:p>
-        </p:txBody>
-      </p:sp>
-      <p:sp>
-        <p:nvSpPr>
-          <p:cNvPr id="5" name="Rectangle 4"/>
-          <p:cNvSpPr/>
-          <p:nvPr/>
-        </p:nvSpPr>
-        <p:spPr>
-          <a:xfrm>
-            <a:off x="6499972" y="2075037"/>
-            <a:ext cx="914400" cy="914400"/>
-          </a:xfrm>
-          <a:prstGeom prst="rect">
-            <a:avLst/>
-          </a:prstGeom>
-        </p:spPr>
-        <p:style>
-          <a:lnRef idx="1">
-            <a:schemeClr val="accent1"/>
-          </a:lnRef>
-          <a:fillRef idx="3">
-            <a:schemeClr val="accent1"/>
-          </a:fillRef>
-          <a:effectRef idx="2">
-            <a:schemeClr val="accent1"/>
-          </a:effectRef>
-          <a:fontRef idx="minor">
-            <a:schemeClr val="lt1"/>
-          </a:fontRef>
-        </p:style>
-        <p:txBody>
-          <a:bodyPr rtlCol="0" anchor="ctr"/>
-          <a:lstStyle/>
-          <a:p>
-            <a:pPr algn="ctr"/>
-            <a:r>
-              <a:rPr lang="en-US" dirty="0" smtClean="0"/>
-              <a:t>Thief</a:t>
-            </a:r>
-            <a:endParaRPr lang="en-US" dirty="0"/>
-          </a:p>
-        </p:txBody>
-      </p:sp>
-      <p:sp>
-        <p:nvSpPr>
-          <p:cNvPr id="6" name="Rectangle 5"/>
-          <p:cNvSpPr/>
-          <p:nvPr/>
-        </p:nvSpPr>
-        <p:spPr>
-          <a:xfrm>
-            <a:off x="4014688" y="3699929"/>
-            <a:ext cx="914400" cy="914400"/>
-          </a:xfrm>
-          <a:prstGeom prst="rect">
-            <a:avLst/>
-          </a:prstGeom>
-          <a:solidFill>
-            <a:srgbClr val="800000"/>
-          </a:solidFill>
-        </p:spPr>
-        <p:style>
-          <a:lnRef idx="1">
-            <a:schemeClr val="accent1"/>
-          </a:lnRef>
-          <a:fillRef idx="3">
-            <a:schemeClr val="accent1"/>
-          </a:fillRef>
-          <a:effectRef idx="2">
-            <a:schemeClr val="accent1"/>
-          </a:effectRef>
-          <a:fontRef idx="minor">
-            <a:schemeClr val="lt1"/>
-          </a:fontRef>
-        </p:style>
-        <p:txBody>
-          <a:bodyPr rtlCol="0" anchor="ctr"/>
-          <a:lstStyle/>
-          <a:p>
-            <a:pPr algn="ctr"/>
-            <a:r>
-              <a:rPr lang="en-US" dirty="0" smtClean="0"/>
-              <a:t>Alarm</a:t>
-            </a:r>
-            <a:endParaRPr lang="en-US" dirty="0"/>
-          </a:p>
-        </p:txBody>
-      </p:sp>
-      <p:sp>
-        <p:nvSpPr>
-          <p:cNvPr id="7" name="Rectangle 6"/>
-          <p:cNvSpPr/>
-          <p:nvPr/>
-        </p:nvSpPr>
-        <p:spPr>
-          <a:xfrm>
-            <a:off x="6499972" y="5407204"/>
-            <a:ext cx="914400" cy="914400"/>
-          </a:xfrm>
-          <a:prstGeom prst="rect">
-            <a:avLst/>
-          </a:prstGeom>
-        </p:spPr>
-        <p:style>
-          <a:lnRef idx="1">
-            <a:schemeClr val="accent1"/>
-          </a:lnRef>
-          <a:fillRef idx="3">
-            <a:schemeClr val="accent1"/>
-          </a:fillRef>
-          <a:effectRef idx="2">
-            <a:schemeClr val="accent1"/>
-          </a:effectRef>
-          <a:fontRef idx="minor">
-            <a:schemeClr val="lt1"/>
-          </a:fontRef>
-        </p:style>
-        <p:txBody>
-          <a:bodyPr rtlCol="0" anchor="ctr"/>
-          <a:lstStyle/>
-          <a:p>
-            <a:pPr algn="ctr"/>
-            <a:r>
-              <a:rPr lang="en-US" dirty="0" smtClean="0"/>
-              <a:t>Dog</a:t>
-            </a:r>
-            <a:endParaRPr lang="en-US" dirty="0"/>
-          </a:p>
-        </p:txBody>
-      </p:sp>
-      <p:sp>
-        <p:nvSpPr>
-          <p:cNvPr id="8" name="Rectangle 7"/>
-          <p:cNvSpPr/>
-          <p:nvPr/>
-        </p:nvSpPr>
-        <p:spPr>
-          <a:xfrm>
-            <a:off x="1761547" y="5407204"/>
-            <a:ext cx="914400" cy="914400"/>
-          </a:xfrm>
-          <a:prstGeom prst="rect">
-            <a:avLst/>
-          </a:prstGeom>
-        </p:spPr>
-        <p:style>
-          <a:lnRef idx="1">
-            <a:schemeClr val="accent1"/>
-          </a:lnRef>
-          <a:fillRef idx="3">
-            <a:schemeClr val="accent1"/>
-          </a:fillRef>
-          <a:effectRef idx="2">
-            <a:schemeClr val="accent1"/>
-          </a:effectRef>
-          <a:fontRef idx="minor">
-            <a:schemeClr val="lt1"/>
-          </a:fontRef>
-        </p:style>
-        <p:txBody>
-          <a:bodyPr rtlCol="0" anchor="ctr"/>
-          <a:lstStyle/>
-          <a:p>
-            <a:pPr algn="ctr"/>
-            <a:r>
-              <a:rPr lang="en-US" dirty="0" smtClean="0"/>
-              <a:t>Police</a:t>
-            </a:r>
-            <a:endParaRPr lang="en-US" dirty="0"/>
-          </a:p>
-        </p:txBody>
-      </p:sp>
-      <p:cxnSp>
-        <p:nvCxnSpPr>
-          <p:cNvPr id="10" name="Straight Arrow Connector 9"/>
-          <p:cNvCxnSpPr/>
-          <p:nvPr/>
-        </p:nvCxnSpPr>
-        <p:spPr>
-          <a:xfrm>
-            <a:off x="2675947" y="2989437"/>
-            <a:ext cx="1338741" cy="710492"/>
-          </a:xfrm>
-          <a:prstGeom prst="straightConnector1">
-            <a:avLst/>
-          </a:prstGeom>
-          <a:ln w="28575" cmpd="sng">
-            <a:tailEnd type="arrow"/>
-          </a:ln>
-        </p:spPr>
-        <p:style>
-          <a:lnRef idx="2">
-            <a:schemeClr val="accent1"/>
-          </a:lnRef>
-          <a:fillRef idx="0">
-            <a:schemeClr val="accent1"/>
-          </a:fillRef>
-          <a:effectRef idx="1">
-            <a:schemeClr val="accent1"/>
-          </a:effectRef>
-          <a:fontRef idx="minor">
-            <a:schemeClr val="tx1"/>
-          </a:fontRef>
-        </p:style>
-      </p:cxnSp>
-      <p:cxnSp>
-        <p:nvCxnSpPr>
-          <p:cNvPr id="11" name="Straight Arrow Connector 10"/>
-          <p:cNvCxnSpPr/>
-          <p:nvPr/>
-        </p:nvCxnSpPr>
-        <p:spPr>
-          <a:xfrm>
-            <a:off x="4988859" y="4614329"/>
-            <a:ext cx="1511113" cy="792875"/>
-          </a:xfrm>
-          <a:prstGeom prst="straightConnector1">
-            <a:avLst/>
-          </a:prstGeom>
-          <a:ln w="28575" cmpd="sng">
-            <a:tailEnd type="arrow"/>
-          </a:ln>
-        </p:spPr>
-        <p:style>
-          <a:lnRef idx="2">
-            <a:schemeClr val="accent1"/>
-          </a:lnRef>
-          <a:fillRef idx="0">
-            <a:schemeClr val="accent1"/>
-          </a:fillRef>
-          <a:effectRef idx="1">
-            <a:schemeClr val="accent1"/>
-          </a:effectRef>
-          <a:fontRef idx="minor">
-            <a:schemeClr val="tx1"/>
-          </a:fontRef>
-        </p:style>
-      </p:cxnSp>
-      <p:cxnSp>
-        <p:nvCxnSpPr>
-          <p:cNvPr id="12" name="Straight Arrow Connector 11"/>
-          <p:cNvCxnSpPr/>
-          <p:nvPr/>
-        </p:nvCxnSpPr>
-        <p:spPr>
-          <a:xfrm rot="10800000" flipV="1">
-            <a:off x="2675947" y="4614329"/>
-            <a:ext cx="1338741" cy="792875"/>
-          </a:xfrm>
-          <a:prstGeom prst="straightConnector1">
-            <a:avLst/>
-          </a:prstGeom>
-          <a:ln w="28575" cmpd="sng">
-            <a:tailEnd type="arrow"/>
-          </a:ln>
-        </p:spPr>
-        <p:style>
-          <a:lnRef idx="2">
-            <a:schemeClr val="accent1"/>
-          </a:lnRef>
-          <a:fillRef idx="0">
-            <a:schemeClr val="accent1"/>
-          </a:fillRef>
-          <a:effectRef idx="1">
-            <a:schemeClr val="accent1"/>
-          </a:effectRef>
-          <a:fontRef idx="minor">
-            <a:schemeClr val="tx1"/>
-          </a:fontRef>
-        </p:style>
-      </p:cxnSp>
-      <p:cxnSp>
-        <p:nvCxnSpPr>
-          <p:cNvPr id="13" name="Straight Arrow Connector 12"/>
-          <p:cNvCxnSpPr/>
-          <p:nvPr/>
-        </p:nvCxnSpPr>
-        <p:spPr>
-          <a:xfrm flipH="1">
-            <a:off x="4988858" y="2989437"/>
-            <a:ext cx="1511114" cy="710492"/>
-          </a:xfrm>
-          <a:prstGeom prst="straightConnector1">
-            <a:avLst/>
-          </a:prstGeom>
-          <a:ln w="28575" cmpd="sng">
-            <a:tailEnd type="arrow"/>
-          </a:ln>
-        </p:spPr>
-        <p:style>
-          <a:lnRef idx="2">
-            <a:schemeClr val="accent1"/>
-          </a:lnRef>
-          <a:fillRef idx="0">
-            <a:schemeClr val="accent1"/>
-          </a:fillRef>
-          <a:effectRef idx="1">
-            <a:schemeClr val="accent1"/>
-          </a:effectRef>
-          <a:fontRef idx="minor">
-            <a:schemeClr val="tx1"/>
-          </a:fontRef>
-        </p:style>
-      </p:cxnSp>
-      <p:sp>
-        <p:nvSpPr>
-          <p:cNvPr id="18" name="Rectangle 17"/>
-          <p:cNvSpPr/>
-          <p:nvPr/>
-        </p:nvSpPr>
-        <p:spPr>
-          <a:xfrm>
-            <a:off x="3233663" y="2958283"/>
-            <a:ext cx="357783" cy="369332"/>
-          </a:xfrm>
-          <a:prstGeom prst="rect">
-            <a:avLst/>
-          </a:prstGeom>
-        </p:spPr>
-        <p:txBody>
-          <a:bodyPr wrap="none">
-            <a:spAutoFit/>
-          </a:bodyPr>
-          <a:lstStyle/>
-          <a:p>
-            <a:r>
-              <a:rPr lang="el-GR" dirty="0" smtClean="0"/>
-              <a:t>β</a:t>
-            </a:r>
-            <a:r>
-              <a:rPr lang="en-US" dirty="0" smtClean="0"/>
-              <a:t>1</a:t>
-            </a:r>
-            <a:endParaRPr lang="en-US" dirty="0"/>
-          </a:p>
-        </p:txBody>
-      </p:sp>
-      <p:sp>
-        <p:nvSpPr>
-          <p:cNvPr id="19" name="Rectangle 18"/>
-          <p:cNvSpPr/>
-          <p:nvPr/>
-        </p:nvSpPr>
-        <p:spPr>
-          <a:xfrm>
-            <a:off x="5762179" y="4614329"/>
-            <a:ext cx="431841" cy="369332"/>
-          </a:xfrm>
-          <a:prstGeom prst="rect">
-            <a:avLst/>
-          </a:prstGeom>
-        </p:spPr>
-        <p:txBody>
-          <a:bodyPr wrap="none">
-            <a:spAutoFit/>
-          </a:bodyPr>
-          <a:lstStyle/>
-          <a:p>
-            <a:r>
-              <a:rPr lang="el-GR" dirty="0" smtClean="0"/>
-              <a:t>β</a:t>
-            </a:r>
-            <a:r>
-              <a:rPr lang="en-US" dirty="0"/>
-              <a:t>4</a:t>
-            </a:r>
-            <a:endParaRPr lang="en-US" dirty="0"/>
-          </a:p>
-        </p:txBody>
-      </p:sp>
-      <p:sp>
-        <p:nvSpPr>
-          <p:cNvPr id="20" name="Rectangle 19"/>
-          <p:cNvSpPr/>
-          <p:nvPr/>
-        </p:nvSpPr>
-        <p:spPr>
-          <a:xfrm>
-            <a:off x="5393408" y="2958283"/>
-            <a:ext cx="415386" cy="369332"/>
-          </a:xfrm>
-          <a:prstGeom prst="rect">
-            <a:avLst/>
-          </a:prstGeom>
-        </p:spPr>
-        <p:txBody>
-          <a:bodyPr wrap="none">
-            <a:spAutoFit/>
-          </a:bodyPr>
-          <a:lstStyle/>
-          <a:p>
-            <a:r>
-              <a:rPr lang="el-GR" dirty="0" smtClean="0"/>
-              <a:t>β</a:t>
-            </a:r>
-            <a:r>
-              <a:rPr lang="en-US" dirty="0"/>
-              <a:t>2</a:t>
-            </a:r>
-            <a:endParaRPr lang="en-US" dirty="0"/>
-          </a:p>
-        </p:txBody>
-      </p:sp>
-      <p:sp>
-        <p:nvSpPr>
-          <p:cNvPr id="21" name="Rectangle 20"/>
-          <p:cNvSpPr/>
-          <p:nvPr/>
-        </p:nvSpPr>
-        <p:spPr>
-          <a:xfrm>
-            <a:off x="2875880" y="4601229"/>
-            <a:ext cx="420908" cy="369332"/>
-          </a:xfrm>
-          <a:prstGeom prst="rect">
-            <a:avLst/>
-          </a:prstGeom>
-        </p:spPr>
-        <p:txBody>
-          <a:bodyPr wrap="none">
-            <a:spAutoFit/>
-          </a:bodyPr>
-          <a:lstStyle/>
-          <a:p>
-            <a:r>
-              <a:rPr lang="el-GR" dirty="0" smtClean="0"/>
-              <a:t>β</a:t>
-            </a:r>
-            <a:r>
-              <a:rPr lang="en-US" dirty="0"/>
-              <a:t>3</a:t>
-            </a:r>
-            <a:endParaRPr lang="en-US" dirty="0"/>
+            <a:pPr marL="285750" indent="-285750">
+              <a:buFont typeface="Arial"/>
+              <a:buChar char="•"/>
+            </a:pPr>
+            <a:r>
+              <a:rPr lang="en-US" sz="2400" dirty="0" smtClean="0"/>
+              <a:t>Thief, Dog independent</a:t>
+            </a:r>
+            <a:endParaRPr lang="en-US" sz="2400" dirty="0"/>
           </a:p>
         </p:txBody>
       </p:sp>
@@ -17487,7 +17538,7 @@
 </p:sld>
 </file>
 
-<file path=ppt/slides/slide15.xml><?xml version="1.0" encoding="utf-8"?>
+<file path=ppt/slides/slide14.xml><?xml version="1.0" encoding="utf-8"?>
 <p:sld xmlns:a="http://schemas.openxmlformats.org/drawingml/2006/main" xmlns:r="http://schemas.openxmlformats.org/officeDocument/2006/relationships" xmlns:p="http://schemas.openxmlformats.org/presentationml/2006/main">
   <p:cSld>
     <p:spTree>
@@ -17584,7 +17635,7 @@
 </p:sld>
 </file>
 
-<file path=ppt/slides/slide16.xml><?xml version="1.0" encoding="utf-8"?>
+<file path=ppt/slides/slide15.xml><?xml version="1.0" encoding="utf-8"?>
 <p:sld xmlns:a="http://schemas.openxmlformats.org/drawingml/2006/main" xmlns:r="http://schemas.openxmlformats.org/officeDocument/2006/relationships" xmlns:p="http://schemas.openxmlformats.org/presentationml/2006/main">
   <p:cSld>
     <p:spTree>
@@ -17670,6 +17721,63 @@
           </a:p>
         </p:txBody>
       </p:sp>
+      <p:graphicFrame>
+        <p:nvGraphicFramePr>
+          <p:cNvPr id="4" name="Object 3"/>
+          <p:cNvGraphicFramePr>
+            <a:graphicFrameLocks noChangeAspect="1"/>
+          </p:cNvGraphicFramePr>
+          <p:nvPr>
+            <p:extLst>
+              <p:ext uri="{D42A27DB-BD31-4B8C-83A1-F6EECF244321}">
+                <p14:modId xmlns:p14="http://schemas.microsoft.com/office/powerpoint/2010/main" val="2566760591"/>
+              </p:ext>
+            </p:extLst>
+          </p:nvPr>
+        </p:nvGraphicFramePr>
+        <p:xfrm>
+          <a:off x="1828800" y="4731038"/>
+          <a:ext cx="5486400" cy="1219200"/>
+        </p:xfrm>
+        <a:graphic>
+          <a:graphicData uri="http://schemas.openxmlformats.org/presentationml/2006/ole">
+            <mc:AlternateContent xmlns:mc="http://schemas.openxmlformats.org/markup-compatibility/2006">
+              <mc:Choice xmlns:v="urn:schemas-microsoft-com:vml" Requires="v">
+                <p:oleObj spid="_x0000_s1028" name="Document" r:id="rId3" imgW="5486400" imgH="1219200" progId="Word.Document.12">
+                  <p:embed/>
+                </p:oleObj>
+              </mc:Choice>
+              <mc:Fallback>
+                <p:oleObj name="Document" r:id="rId3" imgW="5486400" imgH="1219200" progId="Word.Document.12">
+                  <p:embed/>
+                  <p:pic>
+                    <p:nvPicPr>
+                      <p:cNvPr id="0" name=""/>
+                      <p:cNvPicPr/>
+                      <p:nvPr/>
+                    </p:nvPicPr>
+                    <p:blipFill>
+                      <a:blip r:embed="rId4"/>
+                      <a:stretch>
+                        <a:fillRect/>
+                      </a:stretch>
+                    </p:blipFill>
+                    <p:spPr>
+                      <a:xfrm>
+                        <a:off x="1828800" y="4731038"/>
+                        <a:ext cx="5486400" cy="1219200"/>
+                      </a:xfrm>
+                      <a:prstGeom prst="rect">
+                        <a:avLst/>
+                      </a:prstGeom>
+                    </p:spPr>
+                  </p:pic>
+                </p:oleObj>
+              </mc:Fallback>
+            </mc:AlternateContent>
+          </a:graphicData>
+        </a:graphic>
+      </p:graphicFrame>
     </p:spTree>
     <p:extLst>
       <p:ext uri="{BB962C8B-B14F-4D97-AF65-F5344CB8AC3E}">
@@ -17690,7 +17798,7 @@
 </p:sld>
 </file>
 
-<file path=ppt/slides/slide17.xml><?xml version="1.0" encoding="utf-8"?>
+<file path=ppt/slides/slide16.xml><?xml version="1.0" encoding="utf-8"?>
 <p:sld xmlns:a="http://schemas.openxmlformats.org/drawingml/2006/main" xmlns:r="http://schemas.openxmlformats.org/officeDocument/2006/relationships" xmlns:p="http://schemas.openxmlformats.org/presentationml/2006/main">
   <p:cSld>
     <p:spTree>
@@ -18886,7 +18994,7 @@
 </p:sld>
 </file>
 
-<file path=ppt/slides/slide18.xml><?xml version="1.0" encoding="utf-8"?>
+<file path=ppt/slides/slide17.xml><?xml version="1.0" encoding="utf-8"?>
 <p:sld xmlns:a="http://schemas.openxmlformats.org/drawingml/2006/main" xmlns:r="http://schemas.openxmlformats.org/officeDocument/2006/relationships" xmlns:p="http://schemas.openxmlformats.org/presentationml/2006/main">
   <p:cSld>
     <p:spTree>
@@ -18945,11 +19053,7 @@
             </a:r>
             <a:r>
               <a:rPr lang="en-US" dirty="0" smtClean="0"/>
-              <a:t>(TV,BMI) =E</a:t>
-            </a:r>
-            <a:r>
-              <a:rPr lang="en-US" dirty="0" smtClean="0"/>
-              <a:t>[TV*BMI] – E[TV]E[BMI]</a:t>
+              <a:t>(TV,BMI) =E[TV*BMI] – E[TV]E[BMI]</a:t>
             </a:r>
           </a:p>
           <a:p>
@@ -19664,7 +19768,7 @@
 </p:sld>
 </file>
 
-<file path=ppt/slides/slide19.xml><?xml version="1.0" encoding="utf-8"?>
+<file path=ppt/slides/slide18.xml><?xml version="1.0" encoding="utf-8"?>
 <p:sld xmlns:a="http://schemas.openxmlformats.org/drawingml/2006/main" xmlns:r="http://schemas.openxmlformats.org/officeDocument/2006/relationships" xmlns:p="http://schemas.openxmlformats.org/presentationml/2006/main">
   <p:cSld>
     <p:spTree>
@@ -20850,6 +20954,679 @@
 </p:sld>
 </file>
 
+<file path=ppt/slides/slide19.xml><?xml version="1.0" encoding="utf-8"?>
+<p:sld xmlns:a="http://schemas.openxmlformats.org/drawingml/2006/main" xmlns:r="http://schemas.openxmlformats.org/officeDocument/2006/relationships" xmlns:p="http://schemas.openxmlformats.org/presentationml/2006/main">
+  <p:cSld>
+    <p:spTree>
+      <p:nvGrpSpPr>
+        <p:cNvPr id="1" name=""/>
+        <p:cNvGrpSpPr/>
+        <p:nvPr/>
+      </p:nvGrpSpPr>
+      <p:grpSpPr>
+        <a:xfrm>
+          <a:off x="0" y="0"/>
+          <a:ext cx="0" cy="0"/>
+          <a:chOff x="0" y="0"/>
+          <a:chExt cx="0" cy="0"/>
+        </a:xfrm>
+      </p:grpSpPr>
+      <p:graphicFrame>
+        <p:nvGraphicFramePr>
+          <p:cNvPr id="4" name="Content Placeholder 3"/>
+          <p:cNvGraphicFramePr>
+            <a:graphicFrameLocks noGrp="1"/>
+          </p:cNvGraphicFramePr>
+          <p:nvPr>
+            <p:ph idx="1"/>
+            <p:extLst>
+              <p:ext uri="{D42A27DB-BD31-4B8C-83A1-F6EECF244321}">
+                <p14:modId xmlns:p14="http://schemas.microsoft.com/office/powerpoint/2010/main" val="4023140223"/>
+              </p:ext>
+            </p:extLst>
+          </p:nvPr>
+        </p:nvGraphicFramePr>
+        <p:xfrm>
+          <a:off x="314076" y="2758221"/>
+          <a:ext cx="8372724" cy="2284805"/>
+        </p:xfrm>
+        <a:graphic>
+          <a:graphicData uri="http://schemas.openxmlformats.org/drawingml/2006/table">
+            <a:tbl>
+              <a:tblPr firstRow="1" bandRow="1">
+                <a:tableStyleId>{5C22544A-7EE6-4342-B048-85BDC9FD1C3A}</a:tableStyleId>
+              </a:tblPr>
+              <a:tblGrid>
+                <a:gridCol w="2790908"/>
+                <a:gridCol w="2790908"/>
+                <a:gridCol w="2790908"/>
+              </a:tblGrid>
+              <a:tr h="430605">
+                <a:tc>
+                  <a:txBody>
+                    <a:bodyPr/>
+                    <a:lstStyle/>
+                    <a:p>
+                      <a:r>
+                        <a:rPr lang="en-US" dirty="0" smtClean="0"/>
+                        <a:t>Regression</a:t>
+                      </a:r>
+                      <a:endParaRPr lang="en-US" dirty="0"/>
+                    </a:p>
+                  </a:txBody>
+                  <a:tcPr/>
+                </a:tc>
+                <a:tc>
+                  <a:txBody>
+                    <a:bodyPr/>
+                    <a:lstStyle/>
+                    <a:p>
+                      <a:pPr algn="ctr"/>
+                      <a:r>
+                        <a:rPr lang="en-US" dirty="0" smtClean="0"/>
+                        <a:t>Giraffe A</a:t>
+                      </a:r>
+                      <a:endParaRPr lang="en-US" dirty="0"/>
+                    </a:p>
+                  </a:txBody>
+                  <a:tcPr/>
+                </a:tc>
+                <a:tc>
+                  <a:txBody>
+                    <a:bodyPr/>
+                    <a:lstStyle/>
+                    <a:p>
+                      <a:pPr algn="ctr"/>
+                      <a:r>
+                        <a:rPr lang="en-US" dirty="0" smtClean="0"/>
+                        <a:t>Giraffe B</a:t>
+                      </a:r>
+                      <a:endParaRPr lang="en-US" dirty="0"/>
+                    </a:p>
+                  </a:txBody>
+                  <a:tcPr/>
+                </a:tc>
+              </a:tr>
+              <a:tr h="370840">
+                <a:tc>
+                  <a:txBody>
+                    <a:bodyPr/>
+                    <a:lstStyle/>
+                    <a:p>
+                      <a:r>
+                        <a:rPr lang="en-US" dirty="0" smtClean="0"/>
+                        <a:t>X =</a:t>
+                      </a:r>
+                      <a:r>
+                        <a:rPr lang="en-US" baseline="0" dirty="0" smtClean="0"/>
+                        <a:t> Exercise, Y = BMI</a:t>
+                      </a:r>
+                      <a:endParaRPr lang="en-US" dirty="0"/>
+                    </a:p>
+                  </a:txBody>
+                  <a:tcPr/>
+                </a:tc>
+                <a:tc>
+                  <a:txBody>
+                    <a:bodyPr/>
+                    <a:lstStyle/>
+                    <a:p>
+                      <a:pPr marL="0" marR="0" indent="0" algn="l" defTabSz="914400" rtl="0" eaLnBrk="1" fontAlgn="auto" latinLnBrk="0" hangingPunct="1">
+                        <a:lnSpc>
+                          <a:spcPct val="100000"/>
+                        </a:lnSpc>
+                        <a:spcBef>
+                          <a:spcPts val="0"/>
+                        </a:spcBef>
+                        <a:spcAft>
+                          <a:spcPts val="0"/>
+                        </a:spcAft>
+                        <a:buClrTx/>
+                        <a:buSzTx/>
+                        <a:buFontTx/>
+                        <a:buNone/>
+                        <a:tabLst/>
+                        <a:defRPr/>
+                      </a:pPr>
+                      <a:r>
+                        <a:rPr lang="en-US" dirty="0" smtClean="0"/>
+                        <a:t>1.2295; SE = 0.0043</a:t>
+                      </a:r>
+                    </a:p>
+                  </a:txBody>
+                  <a:tcPr/>
+                </a:tc>
+                <a:tc>
+                  <a:txBody>
+                    <a:bodyPr/>
+                    <a:lstStyle/>
+                    <a:p>
+                      <a:r>
+                        <a:rPr lang="en-US" dirty="0" smtClean="0"/>
+                        <a:t>-0.5796; SE = 0.0033</a:t>
+                      </a:r>
+                      <a:endParaRPr lang="en-US" dirty="0"/>
+                    </a:p>
+                  </a:txBody>
+                  <a:tcPr/>
+                </a:tc>
+              </a:tr>
+              <a:tr h="370840">
+                <a:tc>
+                  <a:txBody>
+                    <a:bodyPr/>
+                    <a:lstStyle/>
+                    <a:p>
+                      <a:r>
+                        <a:rPr lang="en-US" dirty="0" smtClean="0"/>
+                        <a:t>X = Diet, Y = BMI</a:t>
+                      </a:r>
+                      <a:endParaRPr lang="en-US" dirty="0"/>
+                    </a:p>
+                  </a:txBody>
+                  <a:tcPr/>
+                </a:tc>
+                <a:tc>
+                  <a:txBody>
+                    <a:bodyPr/>
+                    <a:lstStyle/>
+                    <a:p>
+                      <a:pPr marL="0" marR="0" indent="0" algn="l" defTabSz="914400" rtl="0" eaLnBrk="1" fontAlgn="auto" latinLnBrk="0" hangingPunct="1">
+                        <a:lnSpc>
+                          <a:spcPct val="100000"/>
+                        </a:lnSpc>
+                        <a:spcBef>
+                          <a:spcPts val="0"/>
+                        </a:spcBef>
+                        <a:spcAft>
+                          <a:spcPts val="0"/>
+                        </a:spcAft>
+                        <a:buClrTx/>
+                        <a:buSzTx/>
+                        <a:buFontTx/>
+                        <a:buNone/>
+                        <a:tabLst/>
+                        <a:defRPr/>
+                      </a:pPr>
+                      <a:r>
+                        <a:rPr lang="en-US" dirty="0" smtClean="0"/>
+                        <a:t>1.0114; SE</a:t>
+                      </a:r>
+                      <a:r>
+                        <a:rPr lang="en-US" baseline="0" dirty="0" smtClean="0"/>
+                        <a:t> = 0.0056</a:t>
+                      </a:r>
+                      <a:endParaRPr lang="en-US" dirty="0" smtClean="0"/>
+                    </a:p>
+                  </a:txBody>
+                  <a:tcPr/>
+                </a:tc>
+                <a:tc>
+                  <a:txBody>
+                    <a:bodyPr/>
+                    <a:lstStyle/>
+                    <a:p>
+                      <a:r>
+                        <a:rPr lang="en-US" dirty="0" smtClean="0"/>
+                        <a:t>-0.3011; SE</a:t>
+                      </a:r>
+                      <a:r>
+                        <a:rPr lang="en-US" baseline="0" dirty="0" smtClean="0"/>
+                        <a:t> = 0.0030</a:t>
+                      </a:r>
+                      <a:endParaRPr lang="en-US" dirty="0"/>
+                    </a:p>
+                  </a:txBody>
+                  <a:tcPr/>
+                </a:tc>
+              </a:tr>
+              <a:tr h="370840">
+                <a:tc>
+                  <a:txBody>
+                    <a:bodyPr/>
+                    <a:lstStyle/>
+                    <a:p>
+                      <a:r>
+                        <a:rPr lang="en-US" dirty="0" smtClean="0"/>
+                        <a:t>X = TV, Y = BMI</a:t>
+                      </a:r>
+                      <a:endParaRPr lang="en-US" dirty="0"/>
+                    </a:p>
+                  </a:txBody>
+                  <a:tcPr/>
+                </a:tc>
+                <a:tc>
+                  <a:txBody>
+                    <a:bodyPr/>
+                    <a:lstStyle/>
+                    <a:p>
+                      <a:pPr marL="0" marR="0" indent="0" algn="l" defTabSz="914400" rtl="0" eaLnBrk="1" fontAlgn="auto" latinLnBrk="0" hangingPunct="1">
+                        <a:lnSpc>
+                          <a:spcPct val="100000"/>
+                        </a:lnSpc>
+                        <a:spcBef>
+                          <a:spcPts val="0"/>
+                        </a:spcBef>
+                        <a:spcAft>
+                          <a:spcPts val="0"/>
+                        </a:spcAft>
+                        <a:buClrTx/>
+                        <a:buSzTx/>
+                        <a:buFontTx/>
+                        <a:buNone/>
+                        <a:tabLst/>
+                        <a:defRPr/>
+                      </a:pPr>
+                      <a:r>
+                        <a:rPr lang="en-US" dirty="0" smtClean="0"/>
+                        <a:t>-0.5824;</a:t>
+                      </a:r>
+                      <a:r>
+                        <a:rPr lang="en-US" baseline="0" dirty="0" smtClean="0"/>
+                        <a:t> SE = 0.0020</a:t>
+                      </a:r>
+                      <a:endParaRPr lang="en-US" dirty="0" smtClean="0"/>
+                    </a:p>
+                  </a:txBody>
+                  <a:tcPr/>
+                </a:tc>
+                <a:tc>
+                  <a:txBody>
+                    <a:bodyPr/>
+                    <a:lstStyle/>
+                    <a:p>
+                      <a:r>
+                        <a:rPr lang="en-US" dirty="0" smtClean="0"/>
+                        <a:t>-0.1803;</a:t>
+                      </a:r>
+                      <a:r>
+                        <a:rPr lang="en-US" baseline="0" dirty="0" smtClean="0"/>
+                        <a:t> SE = 0.0050</a:t>
+                      </a:r>
+                      <a:endParaRPr lang="en-US" dirty="0"/>
+                    </a:p>
+                  </a:txBody>
+                  <a:tcPr/>
+                </a:tc>
+              </a:tr>
+              <a:tr h="370840">
+                <a:tc>
+                  <a:txBody>
+                    <a:bodyPr/>
+                    <a:lstStyle/>
+                    <a:p>
+                      <a:r>
+                        <a:rPr lang="en-US" dirty="0" smtClean="0"/>
+                        <a:t>X = TV, Y =</a:t>
+                      </a:r>
+                      <a:r>
+                        <a:rPr lang="en-US" baseline="0" dirty="0" smtClean="0"/>
+                        <a:t> Exercise</a:t>
+                      </a:r>
+                      <a:endParaRPr lang="en-US" dirty="0"/>
+                    </a:p>
+                  </a:txBody>
+                  <a:tcPr/>
+                </a:tc>
+                <a:tc>
+                  <a:txBody>
+                    <a:bodyPr/>
+                    <a:lstStyle/>
+                    <a:p>
+                      <a:pPr marL="0" marR="0" indent="0" algn="l" defTabSz="914400" rtl="0" eaLnBrk="1" fontAlgn="auto" latinLnBrk="0" hangingPunct="1">
+                        <a:lnSpc>
+                          <a:spcPct val="100000"/>
+                        </a:lnSpc>
+                        <a:spcBef>
+                          <a:spcPts val="0"/>
+                        </a:spcBef>
+                        <a:spcAft>
+                          <a:spcPts val="0"/>
+                        </a:spcAft>
+                        <a:buClrTx/>
+                        <a:buSzTx/>
+                        <a:buFontTx/>
+                        <a:buNone/>
+                        <a:tabLst/>
+                        <a:defRPr/>
+                      </a:pPr>
+                      <a:r>
+                        <a:rPr lang="en-US" dirty="0" smtClean="0"/>
+                        <a:t>-1.2600;</a:t>
+                      </a:r>
+                      <a:r>
+                        <a:rPr lang="en-US" baseline="0" dirty="0" smtClean="0"/>
+                        <a:t> SE = 0.0061</a:t>
+                      </a:r>
+                      <a:endParaRPr lang="en-US" dirty="0" smtClean="0"/>
+                    </a:p>
+                  </a:txBody>
+                  <a:tcPr/>
+                </a:tc>
+                <a:tc>
+                  <a:txBody>
+                    <a:bodyPr/>
+                    <a:lstStyle/>
+                    <a:p>
+                      <a:r>
+                        <a:rPr lang="en-US" dirty="0" smtClean="0"/>
+                        <a:t>-1.0485;</a:t>
+                      </a:r>
+                      <a:r>
+                        <a:rPr lang="en-US" baseline="0" dirty="0" smtClean="0"/>
+                        <a:t> SE = 0.0001</a:t>
+                      </a:r>
+                      <a:endParaRPr lang="en-US" dirty="0"/>
+                    </a:p>
+                  </a:txBody>
+                  <a:tcPr/>
+                </a:tc>
+              </a:tr>
+              <a:tr h="370840">
+                <a:tc>
+                  <a:txBody>
+                    <a:bodyPr/>
+                    <a:lstStyle/>
+                    <a:p>
+                      <a:r>
+                        <a:rPr lang="en-US" dirty="0" smtClean="0"/>
+                        <a:t>X = TV, Y = Diet</a:t>
+                      </a:r>
+                      <a:endParaRPr lang="en-US" dirty="0"/>
+                    </a:p>
+                  </a:txBody>
+                  <a:tcPr/>
+                </a:tc>
+                <a:tc>
+                  <a:txBody>
+                    <a:bodyPr/>
+                    <a:lstStyle/>
+                    <a:p>
+                      <a:pPr marL="0" marR="0" indent="0" algn="l" defTabSz="914400" rtl="0" eaLnBrk="1" fontAlgn="auto" latinLnBrk="0" hangingPunct="1">
+                        <a:lnSpc>
+                          <a:spcPct val="100000"/>
+                        </a:lnSpc>
+                        <a:spcBef>
+                          <a:spcPts val="0"/>
+                        </a:spcBef>
+                        <a:spcAft>
+                          <a:spcPts val="0"/>
+                        </a:spcAft>
+                        <a:buClrTx/>
+                        <a:buSzTx/>
+                        <a:buFontTx/>
+                        <a:buNone/>
+                        <a:tabLst/>
+                        <a:defRPr/>
+                      </a:pPr>
+                      <a:r>
+                        <a:rPr lang="en-US" dirty="0" smtClean="0"/>
+                        <a:t>-1.3919; SE = 0.0052</a:t>
+                      </a:r>
+                    </a:p>
+                  </a:txBody>
+                  <a:tcPr/>
+                </a:tc>
+                <a:tc>
+                  <a:txBody>
+                    <a:bodyPr/>
+                    <a:lstStyle/>
+                    <a:p>
+                      <a:r>
+                        <a:rPr lang="en-US" dirty="0" smtClean="0"/>
+                        <a:t>1.2001; SE = 0.0027</a:t>
+                      </a:r>
+                      <a:endParaRPr lang="en-US" dirty="0"/>
+                    </a:p>
+                  </a:txBody>
+                  <a:tcPr/>
+                </a:tc>
+              </a:tr>
+            </a:tbl>
+          </a:graphicData>
+        </a:graphic>
+      </p:graphicFrame>
+      <p:sp>
+        <p:nvSpPr>
+          <p:cNvPr id="3" name="Title 2"/>
+          <p:cNvSpPr>
+            <a:spLocks noGrp="1"/>
+          </p:cNvSpPr>
+          <p:nvPr>
+            <p:ph type="title"/>
+          </p:nvPr>
+        </p:nvSpPr>
+        <p:spPr>
+          <a:solidFill>
+            <a:srgbClr val="FF0000"/>
+          </a:solidFill>
+        </p:spPr>
+        <p:txBody>
+          <a:bodyPr/>
+          <a:lstStyle/>
+          <a:p>
+            <a:r>
+              <a:rPr lang="en-US" dirty="0" smtClean="0"/>
+              <a:t>Empirical Test</a:t>
+            </a:r>
+            <a:endParaRPr lang="en-US" dirty="0"/>
+          </a:p>
+        </p:txBody>
+      </p:sp>
+      <p:graphicFrame>
+        <p:nvGraphicFramePr>
+          <p:cNvPr id="5" name="Table 4"/>
+          <p:cNvGraphicFramePr>
+            <a:graphicFrameLocks noGrp="1"/>
+          </p:cNvGraphicFramePr>
+          <p:nvPr>
+            <p:extLst>
+              <p:ext uri="{D42A27DB-BD31-4B8C-83A1-F6EECF244321}">
+                <p14:modId xmlns:p14="http://schemas.microsoft.com/office/powerpoint/2010/main" val="3494107129"/>
+              </p:ext>
+            </p:extLst>
+          </p:nvPr>
+        </p:nvGraphicFramePr>
+        <p:xfrm>
+          <a:off x="314075" y="5846218"/>
+          <a:ext cx="8372724" cy="370840"/>
+        </p:xfrm>
+        <a:graphic>
+          <a:graphicData uri="http://schemas.openxmlformats.org/drawingml/2006/table">
+            <a:tbl>
+              <a:tblPr firstRow="1" bandRow="1">
+                <a:tableStyleId>{5C22544A-7EE6-4342-B048-85BDC9FD1C3A}</a:tableStyleId>
+              </a:tblPr>
+              <a:tblGrid>
+                <a:gridCol w="2790908"/>
+                <a:gridCol w="2790908"/>
+                <a:gridCol w="2790908"/>
+              </a:tblGrid>
+              <a:tr h="370840">
+                <a:tc>
+                  <a:txBody>
+                    <a:bodyPr/>
+                    <a:lstStyle/>
+                    <a:p>
+                      <a:r>
+                        <a:rPr lang="en-US" dirty="0" smtClean="0"/>
+                        <a:t>X = Diet,  Y = Exercise</a:t>
+                      </a:r>
+                      <a:endParaRPr lang="en-US" dirty="0"/>
+                    </a:p>
+                  </a:txBody>
+                  <a:tcPr/>
+                </a:tc>
+                <a:tc>
+                  <a:txBody>
+                    <a:bodyPr/>
+                    <a:lstStyle/>
+                    <a:p>
+                      <a:r>
+                        <a:rPr lang="en-US" dirty="0" smtClean="0"/>
+                        <a:t>0.0135, SE</a:t>
+                      </a:r>
+                      <a:r>
+                        <a:rPr lang="en-US" baseline="0" dirty="0" smtClean="0"/>
+                        <a:t> = 0.0035</a:t>
+                      </a:r>
+                      <a:endParaRPr lang="en-US" dirty="0"/>
+                    </a:p>
+                  </a:txBody>
+                  <a:tcPr/>
+                </a:tc>
+                <a:tc>
+                  <a:txBody>
+                    <a:bodyPr/>
+                    <a:lstStyle/>
+                    <a:p>
+                      <a:r>
+                        <a:rPr lang="en-US" dirty="0" smtClean="0"/>
+                        <a:t>-0.6894, SE = 0.0030</a:t>
+                      </a:r>
+                      <a:endParaRPr lang="en-US" dirty="0"/>
+                    </a:p>
+                  </a:txBody>
+                  <a:tcPr/>
+                </a:tc>
+              </a:tr>
+            </a:tbl>
+          </a:graphicData>
+        </a:graphic>
+      </p:graphicFrame>
+    </p:spTree>
+    <p:extLst>
+      <p:ext uri="{BB962C8B-B14F-4D97-AF65-F5344CB8AC3E}">
+        <p14:creationId xmlns:p14="http://schemas.microsoft.com/office/powerpoint/2010/main" val="3264732325"/>
+      </p:ext>
+    </p:extLst>
+  </p:cSld>
+  <p:clrMapOvr>
+    <a:masterClrMapping/>
+  </p:clrMapOvr>
+  <p:timing>
+    <p:tnLst>
+      <p:par>
+        <p:cTn xmlns:p14="http://schemas.microsoft.com/office/powerpoint/2010/main" id="1" dur="indefinite" restart="never" nodeType="tmRoot">
+          <p:childTnLst>
+            <p:seq concurrent="1" nextAc="seek">
+              <p:cTn id="2" dur="indefinite" nodeType="mainSeq">
+                <p:childTnLst>
+                  <p:par>
+                    <p:cTn id="3" fill="hold">
+                      <p:stCondLst>
+                        <p:cond delay="indefinite"/>
+                      </p:stCondLst>
+                      <p:childTnLst>
+                        <p:par>
+                          <p:cTn id="4" fill="hold">
+                            <p:stCondLst>
+                              <p:cond delay="0"/>
+                            </p:stCondLst>
+                            <p:childTnLst>
+                              <p:par>
+                                <p:cTn id="5" presetID="1" presetClass="entr" presetSubtype="0" fill="hold" nodeType="clickEffect">
+                                  <p:stCondLst>
+                                    <p:cond delay="0"/>
+                                  </p:stCondLst>
+                                  <p:childTnLst>
+                                    <p:set>
+                                      <p:cBhvr>
+                                        <p:cTn id="6" dur="1" fill="hold">
+                                          <p:stCondLst>
+                                            <p:cond delay="0"/>
+                                          </p:stCondLst>
+                                        </p:cTn>
+                                        <p:tgtEl>
+                                          <p:spTgt spid="4"/>
+                                        </p:tgtEl>
+                                        <p:attrNameLst>
+                                          <p:attrName>style.visibility</p:attrName>
+                                        </p:attrNameLst>
+                                      </p:cBhvr>
+                                      <p:to>
+                                        <p:strVal val="visible"/>
+                                      </p:to>
+                                    </p:set>
+                                  </p:childTnLst>
+                                </p:cTn>
+                              </p:par>
+                            </p:childTnLst>
+                          </p:cTn>
+                        </p:par>
+                      </p:childTnLst>
+                    </p:cTn>
+                  </p:par>
+                  <p:par>
+                    <p:cTn id="7" fill="hold">
+                      <p:stCondLst>
+                        <p:cond delay="indefinite"/>
+                      </p:stCondLst>
+                      <p:childTnLst>
+                        <p:par>
+                          <p:cTn id="8" fill="hold">
+                            <p:stCondLst>
+                              <p:cond delay="0"/>
+                            </p:stCondLst>
+                            <p:childTnLst>
+                              <p:par>
+                                <p:cTn id="9" presetID="1" presetClass="entr" presetSubtype="0" fill="hold" nodeType="clickEffect">
+                                  <p:stCondLst>
+                                    <p:cond delay="0"/>
+                                  </p:stCondLst>
+                                  <p:childTnLst>
+                                    <p:set>
+                                      <p:cBhvr>
+                                        <p:cTn id="10" dur="1" fill="hold">
+                                          <p:stCondLst>
+                                            <p:cond delay="0"/>
+                                          </p:stCondLst>
+                                        </p:cTn>
+                                        <p:tgtEl>
+                                          <p:spTgt spid="5"/>
+                                        </p:tgtEl>
+                                        <p:attrNameLst>
+                                          <p:attrName>style.visibility</p:attrName>
+                                        </p:attrNameLst>
+                                      </p:cBhvr>
+                                      <p:to>
+                                        <p:strVal val="visible"/>
+                                      </p:to>
+                                    </p:set>
+                                  </p:childTnLst>
+                                </p:cTn>
+                              </p:par>
+                            </p:childTnLst>
+                          </p:cTn>
+                        </p:par>
+                      </p:childTnLst>
+                    </p:cTn>
+                  </p:par>
+                </p:childTnLst>
+              </p:cTn>
+              <p:prevCondLst>
+                <p:cond evt="onPrev" delay="0">
+                  <p:tgtEl>
+                    <p:sldTgt/>
+                  </p:tgtEl>
+                </p:cond>
+              </p:prevCondLst>
+              <p:nextCondLst>
+                <p:cond evt="onNext" delay="0">
+                  <p:tgtEl>
+                    <p:sldTgt/>
+                  </p:tgtEl>
+                </p:cond>
+              </p:nextCondLst>
+            </p:seq>
+          </p:childTnLst>
+        </p:cTn>
+      </p:par>
+    </p:tnLst>
+  </p:timing>
+</p:sld>
+</file>
+
 <file path=ppt/slides/slide2.xml><?xml version="1.0" encoding="utf-8"?>
 <p:sld xmlns:a="http://schemas.openxmlformats.org/drawingml/2006/main" xmlns:r="http://schemas.openxmlformats.org/officeDocument/2006/relationships" xmlns:p="http://schemas.openxmlformats.org/presentationml/2006/main">
   <p:cSld>
@@ -20916,11 +21693,7 @@
           <a:p>
             <a:r>
               <a:rPr lang="en-US" dirty="0" smtClean="0"/>
-              <a:t>Probabilistic Causation: If X is the causal variable and Y is the effect variable, then a change in the VALUE of X results in a change in the DISTRIBUTION of Y</a:t>
-            </a:r>
-            <a:r>
-              <a:rPr lang="en-US" dirty="0" smtClean="0"/>
-              <a:t>.</a:t>
+              <a:t>Probabilistic Causation: If X is the causal variable and Y is the effect variable, then a change in the VALUE of X results in a change in the DISTRIBUTION of Y.</a:t>
             </a:r>
           </a:p>
           <a:p>
@@ -21151,679 +21924,6 @@
 </file>
 
 <file path=ppt/slides/slide20.xml><?xml version="1.0" encoding="utf-8"?>
-<p:sld xmlns:a="http://schemas.openxmlformats.org/drawingml/2006/main" xmlns:r="http://schemas.openxmlformats.org/officeDocument/2006/relationships" xmlns:p="http://schemas.openxmlformats.org/presentationml/2006/main">
-  <p:cSld>
-    <p:spTree>
-      <p:nvGrpSpPr>
-        <p:cNvPr id="1" name=""/>
-        <p:cNvGrpSpPr/>
-        <p:nvPr/>
-      </p:nvGrpSpPr>
-      <p:grpSpPr>
-        <a:xfrm>
-          <a:off x="0" y="0"/>
-          <a:ext cx="0" cy="0"/>
-          <a:chOff x="0" y="0"/>
-          <a:chExt cx="0" cy="0"/>
-        </a:xfrm>
-      </p:grpSpPr>
-      <p:graphicFrame>
-        <p:nvGraphicFramePr>
-          <p:cNvPr id="4" name="Content Placeholder 3"/>
-          <p:cNvGraphicFramePr>
-            <a:graphicFrameLocks noGrp="1"/>
-          </p:cNvGraphicFramePr>
-          <p:nvPr>
-            <p:ph idx="1"/>
-            <p:extLst>
-              <p:ext uri="{D42A27DB-BD31-4B8C-83A1-F6EECF244321}">
-                <p14:modId xmlns:p14="http://schemas.microsoft.com/office/powerpoint/2010/main" val="4023140223"/>
-              </p:ext>
-            </p:extLst>
-          </p:nvPr>
-        </p:nvGraphicFramePr>
-        <p:xfrm>
-          <a:off x="314076" y="2758221"/>
-          <a:ext cx="8372724" cy="2284805"/>
-        </p:xfrm>
-        <a:graphic>
-          <a:graphicData uri="http://schemas.openxmlformats.org/drawingml/2006/table">
-            <a:tbl>
-              <a:tblPr firstRow="1" bandRow="1">
-                <a:tableStyleId>{5C22544A-7EE6-4342-B048-85BDC9FD1C3A}</a:tableStyleId>
-              </a:tblPr>
-              <a:tblGrid>
-                <a:gridCol w="2790908"/>
-                <a:gridCol w="2790908"/>
-                <a:gridCol w="2790908"/>
-              </a:tblGrid>
-              <a:tr h="430605">
-                <a:tc>
-                  <a:txBody>
-                    <a:bodyPr/>
-                    <a:lstStyle/>
-                    <a:p>
-                      <a:r>
-                        <a:rPr lang="en-US" dirty="0" smtClean="0"/>
-                        <a:t>Regression</a:t>
-                      </a:r>
-                      <a:endParaRPr lang="en-US" dirty="0"/>
-                    </a:p>
-                  </a:txBody>
-                  <a:tcPr/>
-                </a:tc>
-                <a:tc>
-                  <a:txBody>
-                    <a:bodyPr/>
-                    <a:lstStyle/>
-                    <a:p>
-                      <a:pPr algn="ctr"/>
-                      <a:r>
-                        <a:rPr lang="en-US" dirty="0" smtClean="0"/>
-                        <a:t>Giraffe A</a:t>
-                      </a:r>
-                      <a:endParaRPr lang="en-US" dirty="0"/>
-                    </a:p>
-                  </a:txBody>
-                  <a:tcPr/>
-                </a:tc>
-                <a:tc>
-                  <a:txBody>
-                    <a:bodyPr/>
-                    <a:lstStyle/>
-                    <a:p>
-                      <a:pPr algn="ctr"/>
-                      <a:r>
-                        <a:rPr lang="en-US" dirty="0" smtClean="0"/>
-                        <a:t>Giraffe B</a:t>
-                      </a:r>
-                      <a:endParaRPr lang="en-US" dirty="0"/>
-                    </a:p>
-                  </a:txBody>
-                  <a:tcPr/>
-                </a:tc>
-              </a:tr>
-              <a:tr h="370840">
-                <a:tc>
-                  <a:txBody>
-                    <a:bodyPr/>
-                    <a:lstStyle/>
-                    <a:p>
-                      <a:r>
-                        <a:rPr lang="en-US" dirty="0" smtClean="0"/>
-                        <a:t>X =</a:t>
-                      </a:r>
-                      <a:r>
-                        <a:rPr lang="en-US" baseline="0" dirty="0" smtClean="0"/>
-                        <a:t> Exercise, Y = BMI</a:t>
-                      </a:r>
-                      <a:endParaRPr lang="en-US" dirty="0"/>
-                    </a:p>
-                  </a:txBody>
-                  <a:tcPr/>
-                </a:tc>
-                <a:tc>
-                  <a:txBody>
-                    <a:bodyPr/>
-                    <a:lstStyle/>
-                    <a:p>
-                      <a:pPr marL="0" marR="0" indent="0" algn="l" defTabSz="914400" rtl="0" eaLnBrk="1" fontAlgn="auto" latinLnBrk="0" hangingPunct="1">
-                        <a:lnSpc>
-                          <a:spcPct val="100000"/>
-                        </a:lnSpc>
-                        <a:spcBef>
-                          <a:spcPts val="0"/>
-                        </a:spcBef>
-                        <a:spcAft>
-                          <a:spcPts val="0"/>
-                        </a:spcAft>
-                        <a:buClrTx/>
-                        <a:buSzTx/>
-                        <a:buFontTx/>
-                        <a:buNone/>
-                        <a:tabLst/>
-                        <a:defRPr/>
-                      </a:pPr>
-                      <a:r>
-                        <a:rPr lang="en-US" dirty="0" smtClean="0"/>
-                        <a:t>1.2295; SE = 0.0043</a:t>
-                      </a:r>
-                    </a:p>
-                  </a:txBody>
-                  <a:tcPr/>
-                </a:tc>
-                <a:tc>
-                  <a:txBody>
-                    <a:bodyPr/>
-                    <a:lstStyle/>
-                    <a:p>
-                      <a:r>
-                        <a:rPr lang="en-US" dirty="0" smtClean="0"/>
-                        <a:t>-0.5796; SE = 0.0033</a:t>
-                      </a:r>
-                      <a:endParaRPr lang="en-US" dirty="0"/>
-                    </a:p>
-                  </a:txBody>
-                  <a:tcPr/>
-                </a:tc>
-              </a:tr>
-              <a:tr h="370840">
-                <a:tc>
-                  <a:txBody>
-                    <a:bodyPr/>
-                    <a:lstStyle/>
-                    <a:p>
-                      <a:r>
-                        <a:rPr lang="en-US" dirty="0" smtClean="0"/>
-                        <a:t>X = Diet, Y = BMI</a:t>
-                      </a:r>
-                      <a:endParaRPr lang="en-US" dirty="0"/>
-                    </a:p>
-                  </a:txBody>
-                  <a:tcPr/>
-                </a:tc>
-                <a:tc>
-                  <a:txBody>
-                    <a:bodyPr/>
-                    <a:lstStyle/>
-                    <a:p>
-                      <a:pPr marL="0" marR="0" indent="0" algn="l" defTabSz="914400" rtl="0" eaLnBrk="1" fontAlgn="auto" latinLnBrk="0" hangingPunct="1">
-                        <a:lnSpc>
-                          <a:spcPct val="100000"/>
-                        </a:lnSpc>
-                        <a:spcBef>
-                          <a:spcPts val="0"/>
-                        </a:spcBef>
-                        <a:spcAft>
-                          <a:spcPts val="0"/>
-                        </a:spcAft>
-                        <a:buClrTx/>
-                        <a:buSzTx/>
-                        <a:buFontTx/>
-                        <a:buNone/>
-                        <a:tabLst/>
-                        <a:defRPr/>
-                      </a:pPr>
-                      <a:r>
-                        <a:rPr lang="en-US" dirty="0" smtClean="0"/>
-                        <a:t>1.0114; SE</a:t>
-                      </a:r>
-                      <a:r>
-                        <a:rPr lang="en-US" baseline="0" dirty="0" smtClean="0"/>
-                        <a:t> = 0.0056</a:t>
-                      </a:r>
-                      <a:endParaRPr lang="en-US" dirty="0" smtClean="0"/>
-                    </a:p>
-                  </a:txBody>
-                  <a:tcPr/>
-                </a:tc>
-                <a:tc>
-                  <a:txBody>
-                    <a:bodyPr/>
-                    <a:lstStyle/>
-                    <a:p>
-                      <a:r>
-                        <a:rPr lang="en-US" dirty="0" smtClean="0"/>
-                        <a:t>-0.3011; SE</a:t>
-                      </a:r>
-                      <a:r>
-                        <a:rPr lang="en-US" baseline="0" dirty="0" smtClean="0"/>
-                        <a:t> = 0.0030</a:t>
-                      </a:r>
-                      <a:endParaRPr lang="en-US" dirty="0"/>
-                    </a:p>
-                  </a:txBody>
-                  <a:tcPr/>
-                </a:tc>
-              </a:tr>
-              <a:tr h="370840">
-                <a:tc>
-                  <a:txBody>
-                    <a:bodyPr/>
-                    <a:lstStyle/>
-                    <a:p>
-                      <a:r>
-                        <a:rPr lang="en-US" dirty="0" smtClean="0"/>
-                        <a:t>X = TV, Y = BMI</a:t>
-                      </a:r>
-                      <a:endParaRPr lang="en-US" dirty="0"/>
-                    </a:p>
-                  </a:txBody>
-                  <a:tcPr/>
-                </a:tc>
-                <a:tc>
-                  <a:txBody>
-                    <a:bodyPr/>
-                    <a:lstStyle/>
-                    <a:p>
-                      <a:pPr marL="0" marR="0" indent="0" algn="l" defTabSz="914400" rtl="0" eaLnBrk="1" fontAlgn="auto" latinLnBrk="0" hangingPunct="1">
-                        <a:lnSpc>
-                          <a:spcPct val="100000"/>
-                        </a:lnSpc>
-                        <a:spcBef>
-                          <a:spcPts val="0"/>
-                        </a:spcBef>
-                        <a:spcAft>
-                          <a:spcPts val="0"/>
-                        </a:spcAft>
-                        <a:buClrTx/>
-                        <a:buSzTx/>
-                        <a:buFontTx/>
-                        <a:buNone/>
-                        <a:tabLst/>
-                        <a:defRPr/>
-                      </a:pPr>
-                      <a:r>
-                        <a:rPr lang="en-US" dirty="0" smtClean="0"/>
-                        <a:t>-0.5824;</a:t>
-                      </a:r>
-                      <a:r>
-                        <a:rPr lang="en-US" baseline="0" dirty="0" smtClean="0"/>
-                        <a:t> SE = 0.0020</a:t>
-                      </a:r>
-                      <a:endParaRPr lang="en-US" dirty="0" smtClean="0"/>
-                    </a:p>
-                  </a:txBody>
-                  <a:tcPr/>
-                </a:tc>
-                <a:tc>
-                  <a:txBody>
-                    <a:bodyPr/>
-                    <a:lstStyle/>
-                    <a:p>
-                      <a:r>
-                        <a:rPr lang="en-US" dirty="0" smtClean="0"/>
-                        <a:t>-0.1803;</a:t>
-                      </a:r>
-                      <a:r>
-                        <a:rPr lang="en-US" baseline="0" dirty="0" smtClean="0"/>
-                        <a:t> SE = 0.0050</a:t>
-                      </a:r>
-                      <a:endParaRPr lang="en-US" dirty="0"/>
-                    </a:p>
-                  </a:txBody>
-                  <a:tcPr/>
-                </a:tc>
-              </a:tr>
-              <a:tr h="370840">
-                <a:tc>
-                  <a:txBody>
-                    <a:bodyPr/>
-                    <a:lstStyle/>
-                    <a:p>
-                      <a:r>
-                        <a:rPr lang="en-US" dirty="0" smtClean="0"/>
-                        <a:t>X = TV, Y =</a:t>
-                      </a:r>
-                      <a:r>
-                        <a:rPr lang="en-US" baseline="0" dirty="0" smtClean="0"/>
-                        <a:t> Exercise</a:t>
-                      </a:r>
-                      <a:endParaRPr lang="en-US" dirty="0"/>
-                    </a:p>
-                  </a:txBody>
-                  <a:tcPr/>
-                </a:tc>
-                <a:tc>
-                  <a:txBody>
-                    <a:bodyPr/>
-                    <a:lstStyle/>
-                    <a:p>
-                      <a:pPr marL="0" marR="0" indent="0" algn="l" defTabSz="914400" rtl="0" eaLnBrk="1" fontAlgn="auto" latinLnBrk="0" hangingPunct="1">
-                        <a:lnSpc>
-                          <a:spcPct val="100000"/>
-                        </a:lnSpc>
-                        <a:spcBef>
-                          <a:spcPts val="0"/>
-                        </a:spcBef>
-                        <a:spcAft>
-                          <a:spcPts val="0"/>
-                        </a:spcAft>
-                        <a:buClrTx/>
-                        <a:buSzTx/>
-                        <a:buFontTx/>
-                        <a:buNone/>
-                        <a:tabLst/>
-                        <a:defRPr/>
-                      </a:pPr>
-                      <a:r>
-                        <a:rPr lang="en-US" dirty="0" smtClean="0"/>
-                        <a:t>-1.2600;</a:t>
-                      </a:r>
-                      <a:r>
-                        <a:rPr lang="en-US" baseline="0" dirty="0" smtClean="0"/>
-                        <a:t> SE = 0.0061</a:t>
-                      </a:r>
-                      <a:endParaRPr lang="en-US" dirty="0" smtClean="0"/>
-                    </a:p>
-                  </a:txBody>
-                  <a:tcPr/>
-                </a:tc>
-                <a:tc>
-                  <a:txBody>
-                    <a:bodyPr/>
-                    <a:lstStyle/>
-                    <a:p>
-                      <a:r>
-                        <a:rPr lang="en-US" dirty="0" smtClean="0"/>
-                        <a:t>-1.0485;</a:t>
-                      </a:r>
-                      <a:r>
-                        <a:rPr lang="en-US" baseline="0" dirty="0" smtClean="0"/>
-                        <a:t> SE = 0.0001</a:t>
-                      </a:r>
-                      <a:endParaRPr lang="en-US" dirty="0"/>
-                    </a:p>
-                  </a:txBody>
-                  <a:tcPr/>
-                </a:tc>
-              </a:tr>
-              <a:tr h="370840">
-                <a:tc>
-                  <a:txBody>
-                    <a:bodyPr/>
-                    <a:lstStyle/>
-                    <a:p>
-                      <a:r>
-                        <a:rPr lang="en-US" dirty="0" smtClean="0"/>
-                        <a:t>X = TV, Y = Diet</a:t>
-                      </a:r>
-                      <a:endParaRPr lang="en-US" dirty="0"/>
-                    </a:p>
-                  </a:txBody>
-                  <a:tcPr/>
-                </a:tc>
-                <a:tc>
-                  <a:txBody>
-                    <a:bodyPr/>
-                    <a:lstStyle/>
-                    <a:p>
-                      <a:pPr marL="0" marR="0" indent="0" algn="l" defTabSz="914400" rtl="0" eaLnBrk="1" fontAlgn="auto" latinLnBrk="0" hangingPunct="1">
-                        <a:lnSpc>
-                          <a:spcPct val="100000"/>
-                        </a:lnSpc>
-                        <a:spcBef>
-                          <a:spcPts val="0"/>
-                        </a:spcBef>
-                        <a:spcAft>
-                          <a:spcPts val="0"/>
-                        </a:spcAft>
-                        <a:buClrTx/>
-                        <a:buSzTx/>
-                        <a:buFontTx/>
-                        <a:buNone/>
-                        <a:tabLst/>
-                        <a:defRPr/>
-                      </a:pPr>
-                      <a:r>
-                        <a:rPr lang="en-US" dirty="0" smtClean="0"/>
-                        <a:t>-1.3919; SE = 0.0052</a:t>
-                      </a:r>
-                    </a:p>
-                  </a:txBody>
-                  <a:tcPr/>
-                </a:tc>
-                <a:tc>
-                  <a:txBody>
-                    <a:bodyPr/>
-                    <a:lstStyle/>
-                    <a:p>
-                      <a:r>
-                        <a:rPr lang="en-US" dirty="0" smtClean="0"/>
-                        <a:t>1.2001; SE = 0.0027</a:t>
-                      </a:r>
-                      <a:endParaRPr lang="en-US" dirty="0"/>
-                    </a:p>
-                  </a:txBody>
-                  <a:tcPr/>
-                </a:tc>
-              </a:tr>
-            </a:tbl>
-          </a:graphicData>
-        </a:graphic>
-      </p:graphicFrame>
-      <p:sp>
-        <p:nvSpPr>
-          <p:cNvPr id="3" name="Title 2"/>
-          <p:cNvSpPr>
-            <a:spLocks noGrp="1"/>
-          </p:cNvSpPr>
-          <p:nvPr>
-            <p:ph type="title"/>
-          </p:nvPr>
-        </p:nvSpPr>
-        <p:spPr>
-          <a:solidFill>
-            <a:srgbClr val="FF0000"/>
-          </a:solidFill>
-        </p:spPr>
-        <p:txBody>
-          <a:bodyPr/>
-          <a:lstStyle/>
-          <a:p>
-            <a:r>
-              <a:rPr lang="en-US" dirty="0" smtClean="0"/>
-              <a:t>Empirical Test</a:t>
-            </a:r>
-            <a:endParaRPr lang="en-US" dirty="0"/>
-          </a:p>
-        </p:txBody>
-      </p:sp>
-      <p:graphicFrame>
-        <p:nvGraphicFramePr>
-          <p:cNvPr id="5" name="Table 4"/>
-          <p:cNvGraphicFramePr>
-            <a:graphicFrameLocks noGrp="1"/>
-          </p:cNvGraphicFramePr>
-          <p:nvPr>
-            <p:extLst>
-              <p:ext uri="{D42A27DB-BD31-4B8C-83A1-F6EECF244321}">
-                <p14:modId xmlns:p14="http://schemas.microsoft.com/office/powerpoint/2010/main" val="3494107129"/>
-              </p:ext>
-            </p:extLst>
-          </p:nvPr>
-        </p:nvGraphicFramePr>
-        <p:xfrm>
-          <a:off x="314075" y="5846218"/>
-          <a:ext cx="8372724" cy="370840"/>
-        </p:xfrm>
-        <a:graphic>
-          <a:graphicData uri="http://schemas.openxmlformats.org/drawingml/2006/table">
-            <a:tbl>
-              <a:tblPr firstRow="1" bandRow="1">
-                <a:tableStyleId>{5C22544A-7EE6-4342-B048-85BDC9FD1C3A}</a:tableStyleId>
-              </a:tblPr>
-              <a:tblGrid>
-                <a:gridCol w="2790908"/>
-                <a:gridCol w="2790908"/>
-                <a:gridCol w="2790908"/>
-              </a:tblGrid>
-              <a:tr h="370840">
-                <a:tc>
-                  <a:txBody>
-                    <a:bodyPr/>
-                    <a:lstStyle/>
-                    <a:p>
-                      <a:r>
-                        <a:rPr lang="en-US" dirty="0" smtClean="0"/>
-                        <a:t>X = Diet,  Y = Exercise</a:t>
-                      </a:r>
-                      <a:endParaRPr lang="en-US" dirty="0"/>
-                    </a:p>
-                  </a:txBody>
-                  <a:tcPr/>
-                </a:tc>
-                <a:tc>
-                  <a:txBody>
-                    <a:bodyPr/>
-                    <a:lstStyle/>
-                    <a:p>
-                      <a:r>
-                        <a:rPr lang="en-US" dirty="0" smtClean="0"/>
-                        <a:t>0.0135, SE</a:t>
-                      </a:r>
-                      <a:r>
-                        <a:rPr lang="en-US" baseline="0" dirty="0" smtClean="0"/>
-                        <a:t> = 0.0035</a:t>
-                      </a:r>
-                      <a:endParaRPr lang="en-US" dirty="0"/>
-                    </a:p>
-                  </a:txBody>
-                  <a:tcPr/>
-                </a:tc>
-                <a:tc>
-                  <a:txBody>
-                    <a:bodyPr/>
-                    <a:lstStyle/>
-                    <a:p>
-                      <a:r>
-                        <a:rPr lang="en-US" dirty="0" smtClean="0"/>
-                        <a:t>-0.6894, SE = 0.0030</a:t>
-                      </a:r>
-                      <a:endParaRPr lang="en-US" dirty="0"/>
-                    </a:p>
-                  </a:txBody>
-                  <a:tcPr/>
-                </a:tc>
-              </a:tr>
-            </a:tbl>
-          </a:graphicData>
-        </a:graphic>
-      </p:graphicFrame>
-    </p:spTree>
-    <p:extLst>
-      <p:ext uri="{BB962C8B-B14F-4D97-AF65-F5344CB8AC3E}">
-        <p14:creationId xmlns:p14="http://schemas.microsoft.com/office/powerpoint/2010/main" val="3264732325"/>
-      </p:ext>
-    </p:extLst>
-  </p:cSld>
-  <p:clrMapOvr>
-    <a:masterClrMapping/>
-  </p:clrMapOvr>
-  <p:timing>
-    <p:tnLst>
-      <p:par>
-        <p:cTn xmlns:p14="http://schemas.microsoft.com/office/powerpoint/2010/main" id="1" dur="indefinite" restart="never" nodeType="tmRoot">
-          <p:childTnLst>
-            <p:seq concurrent="1" nextAc="seek">
-              <p:cTn id="2" dur="indefinite" nodeType="mainSeq">
-                <p:childTnLst>
-                  <p:par>
-                    <p:cTn id="3" fill="hold">
-                      <p:stCondLst>
-                        <p:cond delay="indefinite"/>
-                      </p:stCondLst>
-                      <p:childTnLst>
-                        <p:par>
-                          <p:cTn id="4" fill="hold">
-                            <p:stCondLst>
-                              <p:cond delay="0"/>
-                            </p:stCondLst>
-                            <p:childTnLst>
-                              <p:par>
-                                <p:cTn id="5" presetID="1" presetClass="entr" presetSubtype="0" fill="hold" nodeType="clickEffect">
-                                  <p:stCondLst>
-                                    <p:cond delay="0"/>
-                                  </p:stCondLst>
-                                  <p:childTnLst>
-                                    <p:set>
-                                      <p:cBhvr>
-                                        <p:cTn id="6" dur="1" fill="hold">
-                                          <p:stCondLst>
-                                            <p:cond delay="0"/>
-                                          </p:stCondLst>
-                                        </p:cTn>
-                                        <p:tgtEl>
-                                          <p:spTgt spid="4"/>
-                                        </p:tgtEl>
-                                        <p:attrNameLst>
-                                          <p:attrName>style.visibility</p:attrName>
-                                        </p:attrNameLst>
-                                      </p:cBhvr>
-                                      <p:to>
-                                        <p:strVal val="visible"/>
-                                      </p:to>
-                                    </p:set>
-                                  </p:childTnLst>
-                                </p:cTn>
-                              </p:par>
-                            </p:childTnLst>
-                          </p:cTn>
-                        </p:par>
-                      </p:childTnLst>
-                    </p:cTn>
-                  </p:par>
-                  <p:par>
-                    <p:cTn id="7" fill="hold">
-                      <p:stCondLst>
-                        <p:cond delay="indefinite"/>
-                      </p:stCondLst>
-                      <p:childTnLst>
-                        <p:par>
-                          <p:cTn id="8" fill="hold">
-                            <p:stCondLst>
-                              <p:cond delay="0"/>
-                            </p:stCondLst>
-                            <p:childTnLst>
-                              <p:par>
-                                <p:cTn id="9" presetID="1" presetClass="entr" presetSubtype="0" fill="hold" nodeType="clickEffect">
-                                  <p:stCondLst>
-                                    <p:cond delay="0"/>
-                                  </p:stCondLst>
-                                  <p:childTnLst>
-                                    <p:set>
-                                      <p:cBhvr>
-                                        <p:cTn id="10" dur="1" fill="hold">
-                                          <p:stCondLst>
-                                            <p:cond delay="0"/>
-                                          </p:stCondLst>
-                                        </p:cTn>
-                                        <p:tgtEl>
-                                          <p:spTgt spid="5"/>
-                                        </p:tgtEl>
-                                        <p:attrNameLst>
-                                          <p:attrName>style.visibility</p:attrName>
-                                        </p:attrNameLst>
-                                      </p:cBhvr>
-                                      <p:to>
-                                        <p:strVal val="visible"/>
-                                      </p:to>
-                                    </p:set>
-                                  </p:childTnLst>
-                                </p:cTn>
-                              </p:par>
-                            </p:childTnLst>
-                          </p:cTn>
-                        </p:par>
-                      </p:childTnLst>
-                    </p:cTn>
-                  </p:par>
-                </p:childTnLst>
-              </p:cTn>
-              <p:prevCondLst>
-                <p:cond evt="onPrev" delay="0">
-                  <p:tgtEl>
-                    <p:sldTgt/>
-                  </p:tgtEl>
-                </p:cond>
-              </p:prevCondLst>
-              <p:nextCondLst>
-                <p:cond evt="onNext" delay="0">
-                  <p:tgtEl>
-                    <p:sldTgt/>
-                  </p:tgtEl>
-                </p:cond>
-              </p:nextCondLst>
-            </p:seq>
-          </p:childTnLst>
-        </p:cTn>
-      </p:par>
-    </p:tnLst>
-  </p:timing>
-</p:sld>
-</file>
-
-<file path=ppt/slides/slide21.xml><?xml version="1.0" encoding="utf-8"?>
 <p:sld xmlns:a="http://schemas.openxmlformats.org/drawingml/2006/main" xmlns:r="http://schemas.openxmlformats.org/officeDocument/2006/relationships" xmlns:p="http://schemas.openxmlformats.org/presentationml/2006/main">
   <p:cSld>
     <p:spTree>
@@ -23185,7 +23285,7 @@
 </p:sld>
 </file>
 
-<file path=ppt/slides/slide22.xml><?xml version="1.0" encoding="utf-8"?>
+<file path=ppt/slides/slide21.xml><?xml version="1.0" encoding="utf-8"?>
 <p:sld xmlns:a="http://schemas.openxmlformats.org/drawingml/2006/main" xmlns:r="http://schemas.openxmlformats.org/officeDocument/2006/relationships" xmlns:p="http://schemas.openxmlformats.org/presentationml/2006/main">
   <p:cSld>
     <p:spTree>
@@ -23510,7 +23610,6 @@
                 <a:rPr lang="en-US" dirty="0"/>
                 <a:t>1</a:t>
               </a:r>
-              <a:endParaRPr lang="en-US" dirty="0"/>
             </a:p>
           </p:txBody>
         </p:sp>
@@ -24164,7 +24263,7 @@
 </p:sld>
 </file>
 
-<file path=ppt/slides/slide23.xml><?xml version="1.0" encoding="utf-8"?>
+<file path=ppt/slides/slide22.xml><?xml version="1.0" encoding="utf-8"?>
 <p:sld xmlns:a="http://schemas.openxmlformats.org/drawingml/2006/main" xmlns:r="http://schemas.openxmlformats.org/officeDocument/2006/relationships" xmlns:p="http://schemas.openxmlformats.org/presentationml/2006/main">
   <p:cSld>
     <p:spTree>
@@ -24466,7 +24565,6 @@
                 <a:rPr lang="en-US" dirty="0"/>
                 <a:t>1</a:t>
               </a:r>
-              <a:endParaRPr lang="en-US" dirty="0"/>
             </a:p>
           </p:txBody>
         </p:sp>
@@ -24495,7 +24593,6 @@
                 <a:rPr lang="en-US" dirty="0"/>
                 <a:t>1</a:t>
               </a:r>
-              <a:endParaRPr lang="en-US" dirty="0"/>
             </a:p>
           </p:txBody>
         </p:sp>
@@ -25236,7 +25333,7 @@
 </p:sld>
 </file>
 
-<file path=ppt/slides/slide24.xml><?xml version="1.0" encoding="utf-8"?>
+<file path=ppt/slides/slide23.xml><?xml version="1.0" encoding="utf-8"?>
 <p:sld xmlns:a="http://schemas.openxmlformats.org/drawingml/2006/main" xmlns:r="http://schemas.openxmlformats.org/officeDocument/2006/relationships" xmlns:p="http://schemas.openxmlformats.org/presentationml/2006/main">
   <p:cSld>
     <p:spTree>
@@ -25583,7 +25680,6 @@
               <a:rPr lang="en-US" dirty="0"/>
               <a:t>3</a:t>
             </a:r>
-            <a:endParaRPr lang="en-US" dirty="0"/>
           </a:p>
         </p:txBody>
       </p:sp>
@@ -25612,7 +25708,6 @@
               <a:rPr lang="en-US" dirty="0"/>
               <a:t>1</a:t>
             </a:r>
-            <a:endParaRPr lang="en-US" dirty="0"/>
           </a:p>
         </p:txBody>
       </p:sp>
@@ -25641,7 +25736,6 @@
               <a:rPr lang="en-US" dirty="0"/>
               <a:t>1</a:t>
             </a:r>
-            <a:endParaRPr lang="en-US" dirty="0"/>
           </a:p>
         </p:txBody>
       </p:sp>
@@ -25669,11 +25763,7 @@
           <a:p>
             <a:r>
               <a:rPr lang="en-US" dirty="0" smtClean="0"/>
-              <a:t>Measurement </a:t>
-            </a:r>
-            <a:r>
-              <a:rPr lang="en-US" dirty="0" smtClean="0"/>
-              <a:t>error in effect increases standard error of regression coefficient.</a:t>
+              <a:t>Measurement error in effect increases standard error of regression coefficient.</a:t>
             </a:r>
           </a:p>
           <a:p>
@@ -25685,13 +25775,8 @@
           <a:p>
             <a:r>
               <a:rPr lang="en-US" dirty="0" smtClean="0"/>
-              <a:t>The design of the methodology </a:t>
-            </a:r>
-            <a:r>
-              <a:rPr lang="en-US" dirty="0" smtClean="0"/>
-              <a:t>hinders ability to find significant results.</a:t>
-            </a:r>
-            <a:endParaRPr lang="en-US" dirty="0" smtClean="0"/>
+              <a:t>The design of the methodology hinders ability to find significant results.</a:t>
+            </a:r>
           </a:p>
         </p:txBody>
       </p:sp>
@@ -25888,6 +25973,126 @@
 </p:sld>
 </file>
 
+<file path=ppt/slides/slide24.xml><?xml version="1.0" encoding="utf-8"?>
+<p:sld xmlns:a="http://schemas.openxmlformats.org/drawingml/2006/main" xmlns:r="http://schemas.openxmlformats.org/officeDocument/2006/relationships" xmlns:p="http://schemas.openxmlformats.org/presentationml/2006/main">
+  <p:cSld>
+    <p:spTree>
+      <p:nvGrpSpPr>
+        <p:cNvPr id="1" name=""/>
+        <p:cNvGrpSpPr/>
+        <p:nvPr/>
+      </p:nvGrpSpPr>
+      <p:grpSpPr>
+        <a:xfrm>
+          <a:off x="0" y="0"/>
+          <a:ext cx="0" cy="0"/>
+          <a:chOff x="0" y="0"/>
+          <a:chExt cx="0" cy="0"/>
+        </a:xfrm>
+      </p:grpSpPr>
+      <p:sp>
+        <p:nvSpPr>
+          <p:cNvPr id="2" name="Content Placeholder 1"/>
+          <p:cNvSpPr>
+            <a:spLocks noGrp="1"/>
+          </p:cNvSpPr>
+          <p:nvPr>
+            <p:ph idx="1"/>
+          </p:nvPr>
+        </p:nvSpPr>
+        <p:spPr/>
+        <p:txBody>
+          <a:bodyPr/>
+          <a:lstStyle/>
+          <a:p>
+            <a:r>
+              <a:rPr lang="en-US" dirty="0" smtClean="0"/>
+              <a:t>R package “</a:t>
+            </a:r>
+            <a:r>
+              <a:rPr lang="en-US" dirty="0" err="1" smtClean="0"/>
+              <a:t>pcalg</a:t>
+            </a:r>
+            <a:r>
+              <a:rPr lang="en-US" dirty="0" smtClean="0"/>
+              <a:t>” (Probabilistic Causal Graphs)</a:t>
+            </a:r>
+          </a:p>
+          <a:p>
+            <a:r>
+              <a:rPr lang="en-US" dirty="0" smtClean="0"/>
+              <a:t>Needs other libraries to work properly. Use my script.</a:t>
+            </a:r>
+          </a:p>
+          <a:p>
+            <a:r>
+              <a:rPr lang="en-US" dirty="0" smtClean="0"/>
+              <a:t>TETRAD: Java applet; Simulate population and test inferences.</a:t>
+            </a:r>
+          </a:p>
+          <a:p>
+            <a:r>
+              <a:rPr lang="en-US" dirty="0"/>
+              <a:t>http://</a:t>
+            </a:r>
+            <a:r>
+              <a:rPr lang="en-US" dirty="0" err="1"/>
+              <a:t>www.phil.cmu.edu</a:t>
+            </a:r>
+            <a:r>
+              <a:rPr lang="en-US" dirty="0"/>
+              <a:t>/projects/tetrad/</a:t>
+            </a:r>
+          </a:p>
+        </p:txBody>
+      </p:sp>
+      <p:sp>
+        <p:nvSpPr>
+          <p:cNvPr id="3" name="Title 2"/>
+          <p:cNvSpPr>
+            <a:spLocks noGrp="1"/>
+          </p:cNvSpPr>
+          <p:nvPr>
+            <p:ph type="title"/>
+          </p:nvPr>
+        </p:nvSpPr>
+        <p:spPr>
+          <a:solidFill>
+            <a:srgbClr val="008000"/>
+          </a:solidFill>
+        </p:spPr>
+        <p:txBody>
+          <a:bodyPr/>
+          <a:lstStyle/>
+          <a:p>
+            <a:r>
+              <a:rPr lang="en-US" dirty="0" smtClean="0"/>
+              <a:t>Software Packages for ACM</a:t>
+            </a:r>
+            <a:endParaRPr lang="en-US" dirty="0"/>
+          </a:p>
+        </p:txBody>
+      </p:sp>
+    </p:spTree>
+    <p:extLst>
+      <p:ext uri="{BB962C8B-B14F-4D97-AF65-F5344CB8AC3E}">
+        <p14:creationId xmlns:p14="http://schemas.microsoft.com/office/powerpoint/2010/main" val="1378493135"/>
+      </p:ext>
+    </p:extLst>
+  </p:cSld>
+  <p:clrMapOvr>
+    <a:masterClrMapping/>
+  </p:clrMapOvr>
+  <p:timing>
+    <p:tnLst>
+      <p:par>
+        <p:cTn xmlns:p14="http://schemas.microsoft.com/office/powerpoint/2010/main" id="1" dur="indefinite" restart="never" nodeType="tmRoot"/>
+      </p:par>
+    </p:tnLst>
+  </p:timing>
+</p:sld>
+</file>
+
 <file path=ppt/slides/slide25.xml><?xml version="1.0" encoding="utf-8"?>
 <p:sld xmlns:a="http://schemas.openxmlformats.org/drawingml/2006/main" xmlns:r="http://schemas.openxmlformats.org/officeDocument/2006/relationships" xmlns:p="http://schemas.openxmlformats.org/presentationml/2006/main">
   <p:cSld>
@@ -25922,45 +26127,31 @@
           <a:p>
             <a:r>
               <a:rPr lang="en-US" dirty="0" smtClean="0"/>
-              <a:t>R package “</a:t>
-            </a:r>
-            <a:r>
-              <a:rPr lang="en-US" dirty="0" err="1" smtClean="0"/>
-              <a:t>pcalg</a:t>
-            </a:r>
-            <a:r>
-              <a:rPr lang="en-US" dirty="0" smtClean="0"/>
-              <a:t>” (Probabilistic Causal Graphs</a:t>
-            </a:r>
-            <a:r>
-              <a:rPr lang="en-US" dirty="0" smtClean="0"/>
-              <a:t>)</a:t>
+              <a:t>Assumes no hidden variables.</a:t>
             </a:r>
           </a:p>
           <a:p>
             <a:r>
               <a:rPr lang="en-US" dirty="0" smtClean="0"/>
-              <a:t>Needs other libraries to work properly. Use my script.</a:t>
+              <a:t>Assumes data is multivariate normal.</a:t>
             </a:r>
           </a:p>
           <a:p>
             <a:r>
               <a:rPr lang="en-US" dirty="0" smtClean="0"/>
-              <a:t>TETRAD: Java applet; Simulate population and test inferences.</a:t>
+              <a:t>Starts with complete graph; removes edges between X,Y if X and Y are independent.</a:t>
             </a:r>
           </a:p>
           <a:p>
             <a:r>
-              <a:rPr lang="en-US" dirty="0"/>
-              <a:t>http://</a:t>
-            </a:r>
-            <a:r>
-              <a:rPr lang="en-US" dirty="0" err="1"/>
-              <a:t>www.phil.cmu.edu</a:t>
-            </a:r>
-            <a:r>
-              <a:rPr lang="en-US" dirty="0"/>
-              <a:t>/projects/tetrad/</a:t>
+              <a:rPr lang="en-US" dirty="0" smtClean="0"/>
+              <a:t>Try to remove edge between X and Y by conditioning on other variables in the graph.</a:t>
+            </a:r>
+          </a:p>
+          <a:p>
+            <a:r>
+              <a:rPr lang="en-US" dirty="0" smtClean="0"/>
+              <a:t>Orient the edges to preserve consistency.</a:t>
             </a:r>
             <a:endParaRPr lang="en-US" dirty="0"/>
           </a:p>
@@ -25978,7 +26169,9 @@
         </p:nvSpPr>
         <p:spPr>
           <a:solidFill>
-            <a:srgbClr val="008000"/>
+            <a:schemeClr val="accent5">
+              <a:lumMod val="75000"/>
+            </a:schemeClr>
           </a:solidFill>
         </p:spPr>
         <p:txBody>
@@ -25987,7 +26180,7 @@
           <a:p>
             <a:r>
               <a:rPr lang="en-US" dirty="0" smtClean="0"/>
-              <a:t>Software Packages for ACM</a:t>
+              <a:t>PC Algorithm</a:t>
             </a:r>
             <a:endParaRPr lang="en-US" dirty="0"/>
           </a:p>
@@ -25996,7 +26189,7 @@
     </p:spTree>
     <p:extLst>
       <p:ext uri="{BB962C8B-B14F-4D97-AF65-F5344CB8AC3E}">
-        <p14:creationId xmlns:p14="http://schemas.microsoft.com/office/powerpoint/2010/main" val="1378493135"/>
+        <p14:creationId xmlns:p14="http://schemas.microsoft.com/office/powerpoint/2010/main" val="3074651676"/>
       </p:ext>
     </p:extLst>
   </p:cSld>
@@ -26047,31 +26240,19 @@
           <a:p>
             <a:r>
               <a:rPr lang="en-US" dirty="0" smtClean="0"/>
-              <a:t>Assumes no hidden variables.</a:t>
+              <a:t>Allows for hidden variables.</a:t>
             </a:r>
           </a:p>
           <a:p>
             <a:r>
               <a:rPr lang="en-US" dirty="0" smtClean="0"/>
-              <a:t>Assumes data is multivariate normal.</a:t>
+              <a:t>Assumes data is multivariate Normal and satisfies conditions pertaining to partial correlations.</a:t>
             </a:r>
           </a:p>
           <a:p>
             <a:r>
               <a:rPr lang="en-US" dirty="0" smtClean="0"/>
-              <a:t>Starts with complete graph; removes edges between X,Y if X and Y are independent.</a:t>
-            </a:r>
-          </a:p>
-          <a:p>
-            <a:r>
-              <a:rPr lang="en-US" dirty="0" smtClean="0"/>
-              <a:t>Try to remove edge between X and Y by conditioning on other variables in the graph.</a:t>
-            </a:r>
-          </a:p>
-          <a:p>
-            <a:r>
-              <a:rPr lang="en-US" dirty="0" smtClean="0"/>
-              <a:t>Orient the edges to preserve consistency.</a:t>
+              <a:t>Assumes the possible D-separation sets are sparse.</a:t>
             </a:r>
             <a:endParaRPr lang="en-US" dirty="0"/>
           </a:p>
@@ -26100,107 +26281,6 @@
           <a:p>
             <a:r>
               <a:rPr lang="en-US" dirty="0" smtClean="0"/>
-              <a:t>PC Algorithm</a:t>
-            </a:r>
-            <a:endParaRPr lang="en-US" dirty="0"/>
-          </a:p>
-        </p:txBody>
-      </p:sp>
-    </p:spTree>
-    <p:extLst>
-      <p:ext uri="{BB962C8B-B14F-4D97-AF65-F5344CB8AC3E}">
-        <p14:creationId xmlns:p14="http://schemas.microsoft.com/office/powerpoint/2010/main" val="3074651676"/>
-      </p:ext>
-    </p:extLst>
-  </p:cSld>
-  <p:clrMapOvr>
-    <a:masterClrMapping/>
-  </p:clrMapOvr>
-  <p:timing>
-    <p:tnLst>
-      <p:par>
-        <p:cTn xmlns:p14="http://schemas.microsoft.com/office/powerpoint/2010/main" id="1" dur="indefinite" restart="never" nodeType="tmRoot"/>
-      </p:par>
-    </p:tnLst>
-  </p:timing>
-</p:sld>
-</file>
-
-<file path=ppt/slides/slide27.xml><?xml version="1.0" encoding="utf-8"?>
-<p:sld xmlns:a="http://schemas.openxmlformats.org/drawingml/2006/main" xmlns:r="http://schemas.openxmlformats.org/officeDocument/2006/relationships" xmlns:p="http://schemas.openxmlformats.org/presentationml/2006/main">
-  <p:cSld>
-    <p:spTree>
-      <p:nvGrpSpPr>
-        <p:cNvPr id="1" name=""/>
-        <p:cNvGrpSpPr/>
-        <p:nvPr/>
-      </p:nvGrpSpPr>
-      <p:grpSpPr>
-        <a:xfrm>
-          <a:off x="0" y="0"/>
-          <a:ext cx="0" cy="0"/>
-          <a:chOff x="0" y="0"/>
-          <a:chExt cx="0" cy="0"/>
-        </a:xfrm>
-      </p:grpSpPr>
-      <p:sp>
-        <p:nvSpPr>
-          <p:cNvPr id="2" name="Content Placeholder 1"/>
-          <p:cNvSpPr>
-            <a:spLocks noGrp="1"/>
-          </p:cNvSpPr>
-          <p:nvPr>
-            <p:ph idx="1"/>
-          </p:nvPr>
-        </p:nvSpPr>
-        <p:spPr/>
-        <p:txBody>
-          <a:bodyPr/>
-          <a:lstStyle/>
-          <a:p>
-            <a:r>
-              <a:rPr lang="en-US" dirty="0" smtClean="0"/>
-              <a:t>Allows for hidden variables.</a:t>
-            </a:r>
-          </a:p>
-          <a:p>
-            <a:r>
-              <a:rPr lang="en-US" dirty="0" smtClean="0"/>
-              <a:t>Assumes data is multivariate Normal and satisfies conditions pertaining to partial correlations.</a:t>
-            </a:r>
-          </a:p>
-          <a:p>
-            <a:r>
-              <a:rPr lang="en-US" dirty="0" smtClean="0"/>
-              <a:t>Assumes the possible D-separation sets are sparse.</a:t>
-            </a:r>
-            <a:endParaRPr lang="en-US" dirty="0"/>
-          </a:p>
-        </p:txBody>
-      </p:sp>
-      <p:sp>
-        <p:nvSpPr>
-          <p:cNvPr id="3" name="Title 2"/>
-          <p:cNvSpPr>
-            <a:spLocks noGrp="1"/>
-          </p:cNvSpPr>
-          <p:nvPr>
-            <p:ph type="title"/>
-          </p:nvPr>
-        </p:nvSpPr>
-        <p:spPr>
-          <a:solidFill>
-            <a:schemeClr val="accent5">
-              <a:lumMod val="75000"/>
-            </a:schemeClr>
-          </a:solidFill>
-        </p:spPr>
-        <p:txBody>
-          <a:bodyPr/>
-          <a:lstStyle/>
-          <a:p>
-            <a:r>
-              <a:rPr lang="en-US" dirty="0" smtClean="0"/>
               <a:t>FCI Algorithm</a:t>
             </a:r>
             <a:endParaRPr lang="en-US" dirty="0"/>
@@ -26227,7 +26307,7 @@
 </p:sld>
 </file>
 
-<file path=ppt/slides/slide28.xml><?xml version="1.0" encoding="utf-8"?>
+<file path=ppt/slides/slide27.xml><?xml version="1.0" encoding="utf-8"?>
 <p:sld xmlns:a="http://schemas.openxmlformats.org/drawingml/2006/main" xmlns:r="http://schemas.openxmlformats.org/officeDocument/2006/relationships" xmlns:p="http://schemas.openxmlformats.org/presentationml/2006/main">
   <p:cSld>
     <p:spTree>
@@ -26408,17 +26488,7 @@
                 <a:latin typeface="Times New Roman"/>
                 <a:cs typeface="Times New Roman"/>
               </a:rPr>
-              <a:t>X := f(Parents(X), error</a:t>
-            </a:r>
-            <a:r>
-              <a:rPr lang="en-US" dirty="0" smtClean="0">
-                <a:solidFill>
-                  <a:srgbClr val="FF0000"/>
-                </a:solidFill>
-                <a:latin typeface="Times New Roman"/>
-                <a:cs typeface="Times New Roman"/>
-              </a:rPr>
-              <a:t>)</a:t>
+              <a:t>X := f(Parents(X), error)</a:t>
             </a:r>
           </a:p>
           <a:p>
@@ -26545,13 +26615,6 @@
               </a:rPr>
               <a:t>Variables are assumed to be a standard Normal Distribution (Central Limit Theorem).</a:t>
             </a:r>
-            <a:endParaRPr lang="en-US" dirty="0" smtClean="0">
-              <a:solidFill>
-                <a:schemeClr val="tx1"/>
-              </a:solidFill>
-              <a:latin typeface="Times New Roman"/>
-              <a:cs typeface="Times New Roman"/>
-            </a:endParaRPr>
           </a:p>
           <a:p>
             <a:endParaRPr lang="en-US" dirty="0" smtClean="0">
@@ -27226,11 +27289,7 @@
                       </a:r>
                       <a:r>
                         <a:rPr lang="en-US" baseline="0" dirty="0" smtClean="0"/>
-                        <a:t> </a:t>
-                      </a:r>
-                      <a:r>
-                        <a:rPr lang="en-US" baseline="0" dirty="0" smtClean="0"/>
-                        <a:t>Rain</a:t>
+                        <a:t> Rain</a:t>
                       </a:r>
                       <a:endParaRPr lang="en-US" b="0" dirty="0">
                         <a:latin typeface="Times New Roman"/>
@@ -27730,6 +27789,203 @@
           </p:style>
         </p:cxnSp>
       </p:grpSp>
+      <p:graphicFrame>
+        <p:nvGraphicFramePr>
+          <p:cNvPr id="8" name="Table 7"/>
+          <p:cNvGraphicFramePr>
+            <a:graphicFrameLocks noGrp="1"/>
+          </p:cNvGraphicFramePr>
+          <p:nvPr>
+            <p:extLst>
+              <p:ext uri="{D42A27DB-BD31-4B8C-83A1-F6EECF244321}">
+                <p14:modId xmlns:p14="http://schemas.microsoft.com/office/powerpoint/2010/main" val="3161540271"/>
+              </p:ext>
+            </p:extLst>
+          </p:nvPr>
+        </p:nvGraphicFramePr>
+        <p:xfrm>
+          <a:off x="3736739" y="4166387"/>
+          <a:ext cx="5407260" cy="1470660"/>
+        </p:xfrm>
+        <a:graphic>
+          <a:graphicData uri="http://schemas.openxmlformats.org/drawingml/2006/table">
+            <a:tbl>
+              <a:tblPr firstRow="1" bandRow="1">
+                <a:tableStyleId>{5C22544A-7EE6-4342-B048-85BDC9FD1C3A}</a:tableStyleId>
+              </a:tblPr>
+              <a:tblGrid>
+                <a:gridCol w="1802420"/>
+                <a:gridCol w="1802420"/>
+                <a:gridCol w="1802420"/>
+              </a:tblGrid>
+              <a:tr h="490220">
+                <a:tc>
+                  <a:txBody>
+                    <a:bodyPr/>
+                    <a:lstStyle/>
+                    <a:p>
+                      <a:endParaRPr lang="en-US" dirty="0"/>
+                    </a:p>
+                  </a:txBody>
+                  <a:tcPr/>
+                </a:tc>
+                <a:tc>
+                  <a:txBody>
+                    <a:bodyPr/>
+                    <a:lstStyle/>
+                    <a:p>
+                      <a:r>
+                        <a:rPr lang="en-US" dirty="0" smtClean="0"/>
+                        <a:t>P(X|</a:t>
+                      </a:r>
+                      <a:r>
+                        <a:rPr lang="en-US" baseline="0" dirty="0" smtClean="0"/>
+                        <a:t> Wet)</a:t>
+                      </a:r>
+                      <a:endParaRPr lang="en-US" dirty="0"/>
+                    </a:p>
+                  </a:txBody>
+                  <a:tcPr/>
+                </a:tc>
+                <a:tc>
+                  <a:txBody>
+                    <a:bodyPr/>
+                    <a:lstStyle/>
+                    <a:p>
+                      <a:r>
+                        <a:rPr lang="en-US" dirty="0" smtClean="0"/>
+                        <a:t>P(X| do(Wet))</a:t>
+                      </a:r>
+                      <a:endParaRPr lang="en-US" dirty="0"/>
+                    </a:p>
+                  </a:txBody>
+                  <a:tcPr/>
+                </a:tc>
+              </a:tr>
+              <a:tr h="490220">
+                <a:tc>
+                  <a:txBody>
+                    <a:bodyPr/>
+                    <a:lstStyle/>
+                    <a:p>
+                      <a:r>
+                        <a:rPr lang="en-US" dirty="0" smtClean="0"/>
+                        <a:t>X = No Rain</a:t>
+                      </a:r>
+                      <a:endParaRPr lang="en-US" dirty="0"/>
+                    </a:p>
+                  </a:txBody>
+                  <a:tcPr/>
+                </a:tc>
+                <a:tc>
+                  <a:txBody>
+                    <a:bodyPr/>
+                    <a:lstStyle/>
+                    <a:p>
+                      <a:pPr marL="0" marR="0" indent="0" algn="l" defTabSz="914400" rtl="0" eaLnBrk="1" fontAlgn="auto" latinLnBrk="0" hangingPunct="1">
+                        <a:lnSpc>
+                          <a:spcPct val="100000"/>
+                        </a:lnSpc>
+                        <a:spcBef>
+                          <a:spcPts val="0"/>
+                        </a:spcBef>
+                        <a:spcAft>
+                          <a:spcPts val="0"/>
+                        </a:spcAft>
+                        <a:buClrTx/>
+                        <a:buSzTx/>
+                        <a:buFontTx/>
+                        <a:buNone/>
+                        <a:tabLst/>
+                        <a:defRPr/>
+                      </a:pPr>
+                      <a:r>
+                        <a:rPr lang="en-US" dirty="0" smtClean="0"/>
+                        <a:t>.197</a:t>
+                      </a:r>
+                    </a:p>
+                  </a:txBody>
+                  <a:tcPr/>
+                </a:tc>
+                <a:tc>
+                  <a:txBody>
+                    <a:bodyPr/>
+                    <a:lstStyle/>
+                    <a:p>
+                      <a:r>
+                        <a:rPr lang="en-US" dirty="0" smtClean="0"/>
+                        <a:t>0.7</a:t>
+                      </a:r>
+                      <a:endParaRPr lang="en-US" dirty="0"/>
+                    </a:p>
+                  </a:txBody>
+                  <a:tcPr/>
+                </a:tc>
+              </a:tr>
+              <a:tr h="490220">
+                <a:tc>
+                  <a:txBody>
+                    <a:bodyPr/>
+                    <a:lstStyle/>
+                    <a:p>
+                      <a:r>
+                        <a:rPr lang="en-US" dirty="0" smtClean="0"/>
+                        <a:t>X = Rain</a:t>
+                      </a:r>
+                      <a:endParaRPr lang="en-US" dirty="0"/>
+                    </a:p>
+                  </a:txBody>
+                  <a:tcPr/>
+                </a:tc>
+                <a:tc>
+                  <a:txBody>
+                    <a:bodyPr/>
+                    <a:lstStyle/>
+                    <a:p>
+                      <a:pPr marL="0" marR="0" indent="0" algn="l" defTabSz="914400" rtl="0" eaLnBrk="1" fontAlgn="auto" latinLnBrk="0" hangingPunct="1">
+                        <a:lnSpc>
+                          <a:spcPct val="100000"/>
+                        </a:lnSpc>
+                        <a:spcBef>
+                          <a:spcPts val="0"/>
+                        </a:spcBef>
+                        <a:spcAft>
+                          <a:spcPts val="0"/>
+                        </a:spcAft>
+                        <a:buClrTx/>
+                        <a:buSzTx/>
+                        <a:buFontTx/>
+                        <a:buNone/>
+                        <a:tabLst/>
+                        <a:defRPr/>
+                      </a:pPr>
+                      <a:r>
+                        <a:rPr lang="en-US" dirty="0" smtClean="0"/>
+                        <a:t>0.802</a:t>
+                      </a:r>
+                    </a:p>
+                  </a:txBody>
+                  <a:tcPr/>
+                </a:tc>
+                <a:tc>
+                  <a:txBody>
+                    <a:bodyPr/>
+                    <a:lstStyle/>
+                    <a:p>
+                      <a:r>
+                        <a:rPr lang="en-US" dirty="0" smtClean="0"/>
+                        <a:t>0.3</a:t>
+                      </a:r>
+                      <a:endParaRPr lang="en-US" dirty="0"/>
+                    </a:p>
+                  </a:txBody>
+                  <a:tcPr/>
+                </a:tc>
+              </a:tr>
+            </a:tbl>
+          </a:graphicData>
+        </a:graphic>
+      </p:graphicFrame>
     </p:spTree>
     <p:extLst>
       <p:ext uri="{BB962C8B-B14F-4D97-AF65-F5344CB8AC3E}">
@@ -27820,6 +28076,96 @@
                                         </p:cTn>
                                         <p:tgtEl>
                                           <p:spTgt spid="6"/>
+                                        </p:tgtEl>
+                                        <p:attrNameLst>
+                                          <p:attrName>style.visibility</p:attrName>
+                                        </p:attrNameLst>
+                                      </p:cBhvr>
+                                      <p:to>
+                                        <p:strVal val="visible"/>
+                                      </p:to>
+                                    </p:set>
+                                  </p:childTnLst>
+                                </p:cTn>
+                              </p:par>
+                            </p:childTnLst>
+                          </p:cTn>
+                        </p:par>
+                      </p:childTnLst>
+                    </p:cTn>
+                  </p:par>
+                  <p:par>
+                    <p:cTn id="11" fill="hold">
+                      <p:stCondLst>
+                        <p:cond delay="indefinite"/>
+                      </p:stCondLst>
+                      <p:childTnLst>
+                        <p:par>
+                          <p:cTn id="12" fill="hold">
+                            <p:stCondLst>
+                              <p:cond delay="0"/>
+                            </p:stCondLst>
+                            <p:childTnLst>
+                              <p:par>
+                                <p:cTn id="13" presetID="1" presetClass="exit" presetSubtype="0" fill="hold" nodeType="clickEffect">
+                                  <p:stCondLst>
+                                    <p:cond delay="0"/>
+                                  </p:stCondLst>
+                                  <p:childTnLst>
+                                    <p:set>
+                                      <p:cBhvr>
+                                        <p:cTn id="14" dur="1" fill="hold">
+                                          <p:stCondLst>
+                                            <p:cond delay="0"/>
+                                          </p:stCondLst>
+                                        </p:cTn>
+                                        <p:tgtEl>
+                                          <p:spTgt spid="6"/>
+                                        </p:tgtEl>
+                                        <p:attrNameLst>
+                                          <p:attrName>style.visibility</p:attrName>
+                                        </p:attrNameLst>
+                                      </p:cBhvr>
+                                      <p:to>
+                                        <p:strVal val="hidden"/>
+                                      </p:to>
+                                    </p:set>
+                                  </p:childTnLst>
+                                </p:cTn>
+                              </p:par>
+                            </p:childTnLst>
+                          </p:cTn>
+                        </p:par>
+                      </p:childTnLst>
+                    </p:cTn>
+                  </p:par>
+                  <p:par>
+                    <p:cTn id="15" fill="hold">
+                      <p:stCondLst>
+                        <p:cond delay="indefinite"/>
+                      </p:stCondLst>
+                      <p:childTnLst>
+                        <p:par>
+                          <p:cTn id="16" fill="hold">
+                            <p:stCondLst>
+                              <p:cond delay="0"/>
+                            </p:stCondLst>
+                            <p:childTnLst>
+                              <p:par>
+                                <p:cTn id="17" presetID="1" presetClass="entr" presetSubtype="0" fill="hold" nodeType="clickEffect">
+                                  <p:stCondLst>
+                                    <p:cond delay="0"/>
+                                  </p:stCondLst>
+                                  <p:childTnLst>
+                                    <p:set>
+                                      <p:cBhvr>
+                                        <p:cTn id="18" dur="1" fill="hold">
+                                          <p:stCondLst>
+                                            <p:cond delay="0"/>
+                                          </p:stCondLst>
+                                        </p:cTn>
+                                        <p:tgtEl>
+                                          <p:spTgt spid="8"/>
                                         </p:tgtEl>
                                         <p:attrNameLst>
                                           <p:attrName>style.visibility</p:attrName>

--- a/Causation.pptx
+++ b/Causation.pptx
@@ -15712,6 +15712,128 @@
           </a:p>
         </p:txBody>
       </p:sp>
+      <p:grpSp>
+        <p:nvGrpSpPr>
+          <p:cNvPr id="27" name="Group 26"/>
+          <p:cNvGrpSpPr/>
+          <p:nvPr/>
+        </p:nvGrpSpPr>
+        <p:grpSpPr>
+          <a:xfrm>
+            <a:off x="6722914" y="1923061"/>
+            <a:ext cx="2421086" cy="2658551"/>
+            <a:chOff x="6722914" y="1923061"/>
+            <a:chExt cx="2421086" cy="2658551"/>
+          </a:xfrm>
+        </p:grpSpPr>
+        <p:sp>
+          <p:nvSpPr>
+            <p:cNvPr id="2" name="Right Bracket 1"/>
+            <p:cNvSpPr/>
+            <p:nvPr/>
+          </p:nvSpPr>
+          <p:spPr>
+            <a:xfrm>
+              <a:off x="6722914" y="1923061"/>
+              <a:ext cx="384999" cy="2658551"/>
+            </a:xfrm>
+            <a:prstGeom prst="rightBracket">
+              <a:avLst/>
+            </a:prstGeom>
+            <a:ln w="76200" cmpd="sng"/>
+          </p:spPr>
+          <p:style>
+            <a:lnRef idx="2">
+              <a:schemeClr val="accent1"/>
+            </a:lnRef>
+            <a:fillRef idx="0">
+              <a:schemeClr val="accent1"/>
+            </a:fillRef>
+            <a:effectRef idx="1">
+              <a:schemeClr val="accent1"/>
+            </a:effectRef>
+            <a:fontRef idx="minor">
+              <a:schemeClr val="tx1"/>
+            </a:fontRef>
+          </p:style>
+          <p:txBody>
+            <a:bodyPr rtlCol="0" anchor="ctr"/>
+            <a:lstStyle/>
+            <a:p>
+              <a:pPr algn="ctr"/>
+              <a:endParaRPr lang="en-US"/>
+            </a:p>
+          </p:txBody>
+        </p:sp>
+        <p:sp>
+          <p:nvSpPr>
+            <p:cNvPr id="26" name="TextBox 25"/>
+            <p:cNvSpPr txBox="1"/>
+            <p:nvPr/>
+          </p:nvSpPr>
+          <p:spPr>
+            <a:xfrm>
+              <a:off x="7225691" y="2107780"/>
+              <a:ext cx="1918309" cy="1938992"/>
+            </a:xfrm>
+            <a:prstGeom prst="rect">
+              <a:avLst/>
+            </a:prstGeom>
+            <a:noFill/>
+          </p:spPr>
+          <p:txBody>
+            <a:bodyPr wrap="square" rtlCol="0">
+              <a:spAutoFit/>
+            </a:bodyPr>
+            <a:lstStyle/>
+            <a:p>
+              <a:r>
+                <a:rPr lang="en-US" sz="2400" dirty="0" smtClean="0"/>
+                <a:t>Dependent given no information. Independent given B.</a:t>
+              </a:r>
+              <a:endParaRPr lang="en-US" sz="2400" dirty="0"/>
+            </a:p>
+          </p:txBody>
+        </p:sp>
+      </p:grpSp>
+      <p:sp>
+        <p:nvSpPr>
+          <p:cNvPr id="28" name="TextBox 27"/>
+          <p:cNvSpPr txBox="1"/>
+          <p:nvPr/>
+        </p:nvSpPr>
+        <p:spPr>
+          <a:xfrm>
+            <a:off x="7225691" y="4936723"/>
+            <a:ext cx="1918309" cy="1938992"/>
+          </a:xfrm>
+          <a:prstGeom prst="rect">
+            <a:avLst/>
+          </a:prstGeom>
+          <a:noFill/>
+        </p:spPr>
+        <p:txBody>
+          <a:bodyPr wrap="square" rtlCol="0">
+            <a:spAutoFit/>
+          </a:bodyPr>
+          <a:lstStyle/>
+          <a:p>
+            <a:r>
+              <a:rPr lang="en-US" sz="2400" dirty="0" smtClean="0"/>
+              <a:t>Independent given no information. </a:t>
+            </a:r>
+            <a:r>
+              <a:rPr lang="en-US" sz="2400" dirty="0"/>
+              <a:t>D</a:t>
+            </a:r>
+            <a:r>
+              <a:rPr lang="en-US" sz="2400" dirty="0" smtClean="0"/>
+              <a:t>ependent given B.</a:t>
+            </a:r>
+            <a:endParaRPr lang="en-US" sz="2400" dirty="0"/>
+          </a:p>
+        </p:txBody>
+      </p:sp>
     </p:spTree>
     <p:extLst>
       <p:ext uri="{BB962C8B-B14F-4D97-AF65-F5344CB8AC3E}">
@@ -16000,6 +16122,96 @@
                       </p:childTnLst>
                     </p:cTn>
                   </p:par>
+                  <p:par>
+                    <p:cTn id="27" fill="hold">
+                      <p:stCondLst>
+                        <p:cond delay="indefinite"/>
+                      </p:stCondLst>
+                      <p:childTnLst>
+                        <p:par>
+                          <p:cTn id="28" fill="hold">
+                            <p:stCondLst>
+                              <p:cond delay="0"/>
+                            </p:stCondLst>
+                            <p:childTnLst>
+                              <p:par>
+                                <p:cTn id="29" presetID="1" presetClass="entr" presetSubtype="0" fill="hold" nodeType="clickEffect">
+                                  <p:stCondLst>
+                                    <p:cond delay="0"/>
+                                  </p:stCondLst>
+                                  <p:childTnLst>
+                                    <p:set>
+                                      <p:cBhvr>
+                                        <p:cTn id="30" dur="1" fill="hold">
+                                          <p:stCondLst>
+                                            <p:cond delay="0"/>
+                                          </p:stCondLst>
+                                        </p:cTn>
+                                        <p:tgtEl>
+                                          <p:spTgt spid="27"/>
+                                        </p:tgtEl>
+                                        <p:attrNameLst>
+                                          <p:attrName>style.visibility</p:attrName>
+                                        </p:attrNameLst>
+                                      </p:cBhvr>
+                                      <p:to>
+                                        <p:strVal val="visible"/>
+                                      </p:to>
+                                    </p:set>
+                                  </p:childTnLst>
+                                </p:cTn>
+                              </p:par>
+                            </p:childTnLst>
+                          </p:cTn>
+                        </p:par>
+                      </p:childTnLst>
+                    </p:cTn>
+                  </p:par>
+                  <p:par>
+                    <p:cTn id="31" fill="hold">
+                      <p:stCondLst>
+                        <p:cond delay="indefinite"/>
+                      </p:stCondLst>
+                      <p:childTnLst>
+                        <p:par>
+                          <p:cTn id="32" fill="hold">
+                            <p:stCondLst>
+                              <p:cond delay="0"/>
+                            </p:stCondLst>
+                            <p:childTnLst>
+                              <p:par>
+                                <p:cTn id="33" presetID="1" presetClass="entr" presetSubtype="0" fill="hold" grpId="0" nodeType="clickEffect">
+                                  <p:stCondLst>
+                                    <p:cond delay="0"/>
+                                  </p:stCondLst>
+                                  <p:childTnLst>
+                                    <p:set>
+                                      <p:cBhvr>
+                                        <p:cTn id="34" dur="1" fill="hold">
+                                          <p:stCondLst>
+                                            <p:cond delay="0"/>
+                                          </p:stCondLst>
+                                        </p:cTn>
+                                        <p:tgtEl>
+                                          <p:spTgt spid="28"/>
+                                        </p:tgtEl>
+                                        <p:attrNameLst>
+                                          <p:attrName>style.visibility</p:attrName>
+                                        </p:attrNameLst>
+                                      </p:cBhvr>
+                                      <p:to>
+                                        <p:strVal val="visible"/>
+                                      </p:to>
+                                    </p:set>
+                                  </p:childTnLst>
+                                </p:cTn>
+                              </p:par>
+                            </p:childTnLst>
+                          </p:cTn>
+                        </p:par>
+                      </p:childTnLst>
+                    </p:cTn>
+                  </p:par>
                 </p:childTnLst>
               </p:cTn>
               <p:prevCondLst>
@@ -16025,6 +16237,7 @@
       <p:bldP spid="14" grpId="0" animBg="1"/>
       <p:bldP spid="23" grpId="0" animBg="1"/>
       <p:bldP spid="24" grpId="0" animBg="1"/>
+      <p:bldP spid="28" grpId="0"/>
     </p:bldLst>
   </p:timing>
 </p:sld>
@@ -17743,7 +17956,7 @@
           <a:graphicData uri="http://schemas.openxmlformats.org/presentationml/2006/ole">
             <mc:AlternateContent xmlns:mc="http://schemas.openxmlformats.org/markup-compatibility/2006">
               <mc:Choice xmlns:v="urn:schemas-microsoft-com:vml" Requires="v">
-                <p:oleObj spid="_x0000_s1028" name="Document" r:id="rId3" imgW="5486400" imgH="1219200" progId="Word.Document.12">
+                <p:oleObj spid="_x0000_s1050" name="Document" r:id="rId3" imgW="5486400" imgH="1219200" progId="Word.Document.12">
                   <p:embed/>
                 </p:oleObj>
               </mc:Choice>
@@ -20981,7 +21194,7 @@
             <p:ph idx="1"/>
             <p:extLst>
               <p:ext uri="{D42A27DB-BD31-4B8C-83A1-F6EECF244321}">
-                <p14:modId xmlns:p14="http://schemas.microsoft.com/office/powerpoint/2010/main" val="4023140223"/>
+                <p14:modId xmlns:p14="http://schemas.microsoft.com/office/powerpoint/2010/main" val="3776864959"/>
               </p:ext>
             </p:extLst>
           </p:nvPr>
@@ -21024,7 +21237,7 @@
                       <a:pPr algn="ctr"/>
                       <a:r>
                         <a:rPr lang="en-US" dirty="0" smtClean="0"/>
-                        <a:t>Giraffe A</a:t>
+                        <a:t>Graph A</a:t>
                       </a:r>
                       <a:endParaRPr lang="en-US" dirty="0"/>
                     </a:p>
@@ -21039,7 +21252,7 @@
                       <a:pPr algn="ctr"/>
                       <a:r>
                         <a:rPr lang="en-US" dirty="0" smtClean="0"/>
-                        <a:t>Giraffe B</a:t>
+                        <a:t>Graph B</a:t>
                       </a:r>
                       <a:endParaRPr lang="en-US" dirty="0"/>
                     </a:p>
@@ -21688,12 +21901,20 @@
           </a:xfrm>
         </p:spPr>
         <p:txBody>
-          <a:bodyPr/>
+          <a:bodyPr>
+            <a:normAutofit lnSpcReduction="10000"/>
+          </a:bodyPr>
           <a:lstStyle/>
           <a:p>
             <a:r>
               <a:rPr lang="en-US" dirty="0" smtClean="0"/>
               <a:t>Probabilistic Causation: If X is the causal variable and Y is the effect variable, then a change in the VALUE of X results in a change in the DISTRIBUTION of Y.</a:t>
+            </a:r>
+          </a:p>
+          <a:p>
+            <a:r>
+              <a:rPr lang="en-US" dirty="0" smtClean="0"/>
+              <a:t>If X and Y are events, X should precede Y temporally, and the causal relation is anti-symmetric.</a:t>
             </a:r>
           </a:p>
           <a:p>
@@ -21875,6 +22096,55 @@
                                           <p:spTgt spid="8">
                                             <p:txEl>
                                               <p:pRg st="2" end="2"/>
+                                            </p:txEl>
+                                          </p:spTgt>
+                                        </p:tgtEl>
+                                        <p:attrNameLst>
+                                          <p:attrName>style.visibility</p:attrName>
+                                        </p:attrNameLst>
+                                      </p:cBhvr>
+                                      <p:to>
+                                        <p:strVal val="visible"/>
+                                      </p:to>
+                                    </p:set>
+                                  </p:childTnLst>
+                                </p:cTn>
+                              </p:par>
+                            </p:childTnLst>
+                          </p:cTn>
+                        </p:par>
+                      </p:childTnLst>
+                    </p:cTn>
+                  </p:par>
+                  <p:par>
+                    <p:cTn id="15" fill="hold">
+                      <p:stCondLst>
+                        <p:cond delay="indefinite"/>
+                      </p:stCondLst>
+                      <p:childTnLst>
+                        <p:par>
+                          <p:cTn id="16" fill="hold">
+                            <p:stCondLst>
+                              <p:cond delay="0"/>
+                            </p:stCondLst>
+                            <p:childTnLst>
+                              <p:par>
+                                <p:cTn id="17" presetID="1" presetClass="entr" presetSubtype="0" fill="hold" grpId="0" nodeType="clickEffect">
+                                  <p:stCondLst>
+                                    <p:cond delay="0"/>
+                                  </p:stCondLst>
+                                  <p:childTnLst>
+                                    <p:set>
+                                      <p:cBhvr>
+                                        <p:cTn id="18" dur="1" fill="hold">
+                                          <p:stCondLst>
+                                            <p:cond delay="0"/>
+                                          </p:stCondLst>
+                                        </p:cTn>
+                                        <p:tgtEl>
+                                          <p:spTgt spid="8">
+                                            <p:txEl>
+                                              <p:pRg st="3" end="3"/>
                                             </p:txEl>
                                           </p:spTgt>
                                         </p:tgtEl>
@@ -26340,37 +26610,49 @@
           <a:lstStyle/>
           <a:p>
             <a:r>
-              <a:rPr lang="en-US" dirty="0" smtClean="0"/>
-              <a:t>Causality: Models, Reasoning, and Inference by Judea Pearl.</a:t>
-            </a:r>
-          </a:p>
-          <a:p>
-            <a:r>
-              <a:rPr lang="en-US" dirty="0" smtClean="0"/>
-              <a:t>Causation, Prediction, Search by Peter Sprites, Clark </a:t>
-            </a:r>
-            <a:r>
-              <a:rPr lang="en-US" dirty="0" err="1" smtClean="0"/>
-              <a:t>Glymour</a:t>
-            </a:r>
-            <a:r>
-              <a:rPr lang="en-US" dirty="0" smtClean="0"/>
-              <a:t>, and Richard </a:t>
-            </a:r>
-            <a:r>
-              <a:rPr lang="en-US" dirty="0" err="1" smtClean="0"/>
-              <a:t>Scheines</a:t>
-            </a:r>
-            <a:r>
-              <a:rPr lang="en-US" dirty="0" smtClean="0"/>
-              <a:t>.</a:t>
-            </a:r>
-          </a:p>
-          <a:p>
-            <a:r>
               <a:rPr lang="en-US" dirty="0" smtClean="0">
                 <a:hlinkClick r:id="rId2"/>
               </a:rPr>
+              <a:t>Causality: Models, Reasoning, and Inference </a:t>
+            </a:r>
+            <a:r>
+              <a:rPr lang="en-US" dirty="0" smtClean="0"/>
+              <a:t>by Judea Pearl.</a:t>
+            </a:r>
+          </a:p>
+          <a:p>
+            <a:r>
+              <a:rPr lang="en-US" dirty="0" smtClean="0">
+                <a:hlinkClick r:id="rId3"/>
+              </a:rPr>
+              <a:t>Causation, Prediction, Search </a:t>
+            </a:r>
+            <a:r>
+              <a:rPr lang="en-US" dirty="0" smtClean="0"/>
+              <a:t>by Peter Sprites, Clark </a:t>
+            </a:r>
+            <a:r>
+              <a:rPr lang="en-US" dirty="0" err="1" smtClean="0"/>
+              <a:t>Glymour</a:t>
+            </a:r>
+            <a:r>
+              <a:rPr lang="en-US" dirty="0" smtClean="0"/>
+              <a:t>, and Richard </a:t>
+            </a:r>
+            <a:r>
+              <a:rPr lang="en-US" dirty="0" err="1" smtClean="0"/>
+              <a:t>Scheines</a:t>
+            </a:r>
+            <a:r>
+              <a:rPr lang="en-US" dirty="0" smtClean="0"/>
+              <a:t>.</a:t>
+            </a:r>
+          </a:p>
+          <a:p>
+            <a:r>
+              <a:rPr lang="en-US" dirty="0" smtClean="0">
+                <a:hlinkClick r:id="rId4"/>
+              </a:rPr>
               <a:t>Causal Inference and Direct Effect </a:t>
             </a:r>
             <a:r>
@@ -26383,7 +26665,62 @@
             </a:r>
             <a:r>
               <a:rPr lang="en-US" dirty="0" smtClean="0"/>
-              <a:t> Labs</a:t>
+              <a:t> </a:t>
+            </a:r>
+            <a:r>
+              <a:rPr lang="en-US" dirty="0" smtClean="0"/>
+              <a:t>Labs</a:t>
+            </a:r>
+          </a:p>
+          <a:p>
+            <a:r>
+              <a:rPr lang="en-US" dirty="0" smtClean="0">
+                <a:hlinkClick r:id="rId5"/>
+              </a:rPr>
+              <a:t>Causal Inference Book </a:t>
+            </a:r>
+            <a:r>
+              <a:rPr lang="en-US" dirty="0" smtClean="0"/>
+              <a:t>by Miguel </a:t>
+            </a:r>
+            <a:r>
+              <a:rPr lang="en-US" dirty="0" err="1" smtClean="0"/>
+              <a:t>Hernan</a:t>
+            </a:r>
+            <a:endParaRPr lang="en-US" dirty="0" smtClean="0"/>
+          </a:p>
+          <a:p>
+            <a:r>
+              <a:rPr lang="en-US" dirty="0" smtClean="0"/>
+              <a:t>Notes by Cosmos </a:t>
+            </a:r>
+            <a:r>
+              <a:rPr lang="en-US" dirty="0" err="1" smtClean="0"/>
+              <a:t>Shalizi</a:t>
+            </a:r>
+            <a:r>
+              <a:rPr lang="en-US" dirty="0" smtClean="0"/>
+              <a:t> included in </a:t>
+            </a:r>
+            <a:r>
+              <a:rPr lang="en-US" dirty="0" err="1" smtClean="0"/>
+              <a:t>GitHub</a:t>
+            </a:r>
+            <a:r>
+              <a:rPr lang="en-US" dirty="0" smtClean="0"/>
+              <a:t> repo.</a:t>
+            </a:r>
+          </a:p>
+          <a:p>
+            <a:r>
+              <a:rPr lang="en-US" dirty="0" smtClean="0">
+                <a:hlinkClick r:id="rId6"/>
+              </a:rPr>
+              <a:t>Talk by Judea Pearl </a:t>
+            </a:r>
+            <a:r>
+              <a:rPr lang="en-US" dirty="0" smtClean="0"/>
+              <a:t>in April</a:t>
             </a:r>
             <a:endParaRPr lang="en-US" dirty="0"/>
           </a:p>
@@ -26488,7 +26825,27 @@
                 <a:latin typeface="Times New Roman"/>
                 <a:cs typeface="Times New Roman"/>
               </a:rPr>
-              <a:t>X := f(Parents(X), error)</a:t>
+              <a:t>X := f(</a:t>
+            </a:r>
+            <a:r>
+              <a:rPr lang="en-US" dirty="0" err="1" smtClean="0">
+                <a:solidFill>
+                  <a:srgbClr val="FF0000"/>
+                </a:solidFill>
+                <a:latin typeface="Times New Roman"/>
+                <a:cs typeface="Times New Roman"/>
+              </a:rPr>
+              <a:t>DirectCauses</a:t>
+            </a:r>
+            <a:r>
+              <a:rPr lang="en-US" dirty="0" smtClean="0">
+                <a:solidFill>
+                  <a:srgbClr val="FF0000"/>
+                </a:solidFill>
+                <a:latin typeface="Times New Roman"/>
+                <a:cs typeface="Times New Roman"/>
+              </a:rPr>
+              <a:t>(X), error)</a:t>
             </a:r>
           </a:p>
           <a:p>
@@ -26520,7 +26877,7 @@
                 <a:latin typeface="Times New Roman"/>
                 <a:cs typeface="Times New Roman"/>
               </a:rPr>
-              <a:t>1*Income + </a:t>
+              <a:t>1*Education + </a:t>
             </a:r>
             <a:r>
               <a:rPr lang="el-GR" dirty="0" smtClean="0">
@@ -27001,6 +27358,28 @@
             <a:r>
               <a:rPr lang="en-US" dirty="0" smtClean="0"/>
               <a:t>(Y|X)</a:t>
+            </a:r>
+          </a:p>
+          <a:p>
+            <a:r>
+              <a:rPr lang="en-US" dirty="0" smtClean="0"/>
+              <a:t>Causal Effect: E[</a:t>
+            </a:r>
+            <a:r>
+              <a:rPr lang="en-US" dirty="0" err="1" smtClean="0"/>
+              <a:t>Y|do</a:t>
+            </a:r>
+            <a:r>
+              <a:rPr lang="en-US" dirty="0" smtClean="0"/>
+              <a:t>(X=a)] – E[</a:t>
+            </a:r>
+            <a:r>
+              <a:rPr lang="en-US" dirty="0" err="1" smtClean="0"/>
+              <a:t>Y|do</a:t>
+            </a:r>
+            <a:r>
+              <a:rPr lang="en-US" dirty="0" smtClean="0"/>
+              <a:t>(X=b)]</a:t>
             </a:r>
           </a:p>
           <a:p>
